--- a/Documents for submission/Bird App.pptx
+++ b/Documents for submission/Bird App.pptx
@@ -12928,7 +12928,7 @@
             </a:pPr>
             <a:r>
               <a:rPr lang="en"/>
-              <a:t>By binaryBirds - Dec 5, 2024</a:t>
+              <a:t>By binaryBirds - Dec 6, 2024</a:t>
             </a:r>
             <a:endParaRPr/>
           </a:p>
@@ -13665,7 +13665,7 @@
         </p:spPr>
         <p:txBody>
           <a:bodyPr anchorCtr="0" anchor="t" bIns="45700" lIns="91425" spcFirstLastPara="1" rIns="91425" wrap="square" tIns="45700">
-            <a:normAutofit/>
+            <a:normAutofit fontScale="55000" lnSpcReduction="20000"/>
           </a:bodyPr>
           <a:lstStyle/>
           <a:p>
@@ -13685,14 +13685,14 @@
             <a:endParaRPr/>
           </a:p>
           <a:p>
-            <a:pPr indent="-431800" lvl="0" marL="457200" rtl="0" algn="l">
+            <a:pPr indent="-340360" lvl="0" marL="457200" rtl="0" algn="l">
               <a:spcBef>
                 <a:spcPts val="640"/>
               </a:spcBef>
               <a:spcAft>
                 <a:spcPts val="0"/>
               </a:spcAft>
-              <a:buSzPts val="3200"/>
+              <a:buSzPct val="100000"/>
               <a:buChar char="•"/>
             </a:pPr>
             <a:r>
@@ -13702,14 +13702,14 @@
             <a:endParaRPr/>
           </a:p>
           <a:p>
-            <a:pPr indent="-431800" lvl="0" marL="457200" rtl="0" algn="l">
-              <a:spcBef>
-                <a:spcPts val="0"/>
-              </a:spcBef>
-              <a:spcAft>
-                <a:spcPts val="0"/>
-              </a:spcAft>
-              <a:buSzPts val="3200"/>
+            <a:pPr indent="-340360" lvl="0" marL="457200" rtl="0" algn="l">
+              <a:spcBef>
+                <a:spcPts val="0"/>
+              </a:spcBef>
+              <a:spcAft>
+                <a:spcPts val="0"/>
+              </a:spcAft>
+              <a:buSzPct val="100000"/>
               <a:buChar char="•"/>
             </a:pPr>
             <a:r>
@@ -13719,14 +13719,31 @@
             <a:endParaRPr/>
           </a:p>
           <a:p>
-            <a:pPr indent="-431800" lvl="0" marL="457200" rtl="0" algn="l">
-              <a:spcBef>
-                <a:spcPts val="0"/>
-              </a:spcBef>
-              <a:spcAft>
-                <a:spcPts val="0"/>
-              </a:spcAft>
-              <a:buSzPts val="3200"/>
+            <a:pPr indent="-340360" lvl="0" marL="457200" rtl="0" algn="l">
+              <a:spcBef>
+                <a:spcPts val="0"/>
+              </a:spcBef>
+              <a:spcAft>
+                <a:spcPts val="0"/>
+              </a:spcAft>
+              <a:buSzPct val="100000"/>
+              <a:buChar char="•"/>
+            </a:pPr>
+            <a:r>
+              <a:rPr lang="en"/>
+              <a:t>RDS</a:t>
+            </a:r>
+            <a:endParaRPr/>
+          </a:p>
+          <a:p>
+            <a:pPr indent="-340360" lvl="0" marL="457200" rtl="0" algn="l">
+              <a:spcBef>
+                <a:spcPts val="0"/>
+              </a:spcBef>
+              <a:spcAft>
+                <a:spcPts val="0"/>
+              </a:spcAft>
+              <a:buSzPct val="100000"/>
               <a:buChar char="•"/>
             </a:pPr>
             <a:r>
@@ -13736,19 +13753,141 @@
             <a:endParaRPr/>
           </a:p>
           <a:p>
-            <a:pPr indent="-431800" lvl="0" marL="457200" rtl="0" algn="l">
-              <a:spcBef>
-                <a:spcPts val="0"/>
-              </a:spcBef>
-              <a:spcAft>
-                <a:spcPts val="0"/>
-              </a:spcAft>
-              <a:buSzPts val="3200"/>
+            <a:pPr indent="0" lvl="0" marL="0" rtl="0" algn="l">
+              <a:spcBef>
+                <a:spcPts val="640"/>
+              </a:spcBef>
+              <a:spcAft>
+                <a:spcPts val="0"/>
+              </a:spcAft>
+              <a:buNone/>
+            </a:pPr>
+            <a:r>
+              <a:rPr lang="en"/>
+              <a:t>Why did we use lambda functions? </a:t>
+            </a:r>
+            <a:endParaRPr/>
+          </a:p>
+          <a:p>
+            <a:pPr indent="-340360" lvl="0" marL="457200" rtl="0" algn="l">
+              <a:spcBef>
+                <a:spcPts val="640"/>
+              </a:spcBef>
+              <a:spcAft>
+                <a:spcPts val="0"/>
+              </a:spcAft>
+              <a:buSzPct val="100000"/>
               <a:buChar char="•"/>
             </a:pPr>
             <a:r>
               <a:rPr lang="en"/>
-              <a:t>RDS</a:t>
+              <a:t>Cheaper </a:t>
+            </a:r>
+            <a:endParaRPr/>
+          </a:p>
+          <a:p>
+            <a:pPr indent="-340360" lvl="0" marL="457200" rtl="0" algn="l">
+              <a:spcBef>
+                <a:spcPts val="0"/>
+              </a:spcBef>
+              <a:spcAft>
+                <a:spcPts val="0"/>
+              </a:spcAft>
+              <a:buSzPct val="100000"/>
+              <a:buChar char="•"/>
+            </a:pPr>
+            <a:r>
+              <a:rPr lang="en"/>
+              <a:t>Simpler to implement </a:t>
+            </a:r>
+            <a:endParaRPr/>
+          </a:p>
+          <a:p>
+            <a:pPr indent="-340360" lvl="0" marL="457200" rtl="0" algn="l">
+              <a:spcBef>
+                <a:spcPts val="0"/>
+              </a:spcBef>
+              <a:spcAft>
+                <a:spcPts val="0"/>
+              </a:spcAft>
+              <a:buSzPct val="100000"/>
+              <a:buChar char="•"/>
+            </a:pPr>
+            <a:r>
+              <a:rPr lang="en"/>
+              <a:t>Our code relies on python only so we used lambda layers only</a:t>
+            </a:r>
+            <a:endParaRPr/>
+          </a:p>
+          <a:p>
+            <a:pPr indent="-340360" lvl="0" marL="457200" rtl="0" algn="l">
+              <a:spcBef>
+                <a:spcPts val="0"/>
+              </a:spcBef>
+              <a:spcAft>
+                <a:spcPts val="0"/>
+              </a:spcAft>
+              <a:buSzPct val="100000"/>
+              <a:buChar char="•"/>
+            </a:pPr>
+            <a:r>
+              <a:rPr lang="en"/>
+              <a:t>Automatic</a:t>
+            </a:r>
+            <a:r>
+              <a:rPr lang="en"/>
+              <a:t> Scaling</a:t>
+            </a:r>
+            <a:endParaRPr/>
+          </a:p>
+          <a:p>
+            <a:pPr indent="-340360" lvl="0" marL="457200" rtl="0" algn="l">
+              <a:spcBef>
+                <a:spcPts val="0"/>
+              </a:spcBef>
+              <a:spcAft>
+                <a:spcPts val="0"/>
+              </a:spcAft>
+              <a:buSzPct val="100000"/>
+              <a:buChar char="•"/>
+            </a:pPr>
+            <a:r>
+              <a:rPr lang="en"/>
+              <a:t>Computation is &lt;15 min</a:t>
+            </a:r>
+            <a:endParaRPr/>
+          </a:p>
+          <a:p>
+            <a:pPr indent="-340360" lvl="0" marL="457200" rtl="0" algn="l">
+              <a:spcBef>
+                <a:spcPts val="0"/>
+              </a:spcBef>
+              <a:spcAft>
+                <a:spcPts val="0"/>
+              </a:spcAft>
+              <a:buSzPct val="100000"/>
+              <a:buChar char="•"/>
+            </a:pPr>
+            <a:r>
+              <a:rPr lang="en"/>
+              <a:t>We do not need too much storage</a:t>
+            </a:r>
+            <a:endParaRPr/>
+          </a:p>
+          <a:p>
+            <a:pPr indent="-340360" lvl="0" marL="457200" rtl="0" algn="l">
+              <a:spcBef>
+                <a:spcPts val="0"/>
+              </a:spcBef>
+              <a:spcAft>
+                <a:spcPts val="0"/>
+              </a:spcAft>
+              <a:buSzPct val="100000"/>
+              <a:buChar char="•"/>
+            </a:pPr>
+            <a:r>
+              <a:rPr lang="en"/>
+              <a:t>Cold starts are not an issue for our project</a:t>
             </a:r>
             <a:endParaRPr/>
           </a:p>
@@ -13883,14 +14022,25 @@
               <a:spcAft>
                 <a:spcPts val="0"/>
               </a:spcAft>
+              <a:buClr>
+                <a:schemeClr val="accent2"/>
+              </a:buClr>
               <a:buSzPct val="100000"/>
               <a:buChar char="–"/>
             </a:pPr>
             <a:r>
-              <a:rPr lang="en"/>
+              <a:rPr b="1" lang="en">
+                <a:solidFill>
+                  <a:schemeClr val="accent2"/>
+                </a:solidFill>
+              </a:rPr>
               <a:t>Trip planner: </a:t>
             </a:r>
-            <a:endParaRPr/>
+            <a:endParaRPr b="1">
+              <a:solidFill>
+                <a:schemeClr val="accent2"/>
+              </a:solidFill>
+            </a:endParaRPr>
           </a:p>
           <a:p>
             <a:pPr indent="-335280" lvl="2" marL="1371600" rtl="0" algn="l">
@@ -13955,7 +14105,11 @@
               <a:buChar char="–"/>
             </a:pPr>
             <a:r>
-              <a:rPr lang="en"/>
+              <a:rPr b="1" lang="en">
+                <a:solidFill>
+                  <a:schemeClr val="accent2"/>
+                </a:solidFill>
+              </a:rPr>
               <a:t>Download Trip function:</a:t>
             </a:r>
             <a:endParaRPr/>
@@ -13989,7 +14143,11 @@
               <a:buChar char="–"/>
             </a:pPr>
             <a:r>
-              <a:rPr lang="en"/>
+              <a:rPr b="1" lang="en">
+                <a:solidFill>
+                  <a:schemeClr val="accent2"/>
+                </a:solidFill>
+              </a:rPr>
               <a:t>Past Trips:</a:t>
             </a:r>
             <a:endParaRPr/>
@@ -14023,7 +14181,11 @@
               <a:buChar char="–"/>
             </a:pPr>
             <a:r>
-              <a:rPr lang="en"/>
+              <a:rPr b="1" lang="en">
+                <a:solidFill>
+                  <a:schemeClr val="accent2"/>
+                </a:solidFill>
+              </a:rPr>
               <a:t>Nearby Birds: </a:t>
             </a:r>
             <a:endParaRPr/>
@@ -14091,7 +14253,11 @@
               <a:buChar char="–"/>
             </a:pPr>
             <a:r>
-              <a:rPr lang="en"/>
+              <a:rPr b="1" lang="en">
+                <a:solidFill>
+                  <a:schemeClr val="accent2"/>
+                </a:solidFill>
+              </a:rPr>
               <a:t>Region Birds</a:t>
             </a:r>
             <a:endParaRPr/>
@@ -14216,7 +14382,7 @@
         </p:spPr>
         <p:txBody>
           <a:bodyPr anchorCtr="0" anchor="t" bIns="45700" lIns="91425" spcFirstLastPara="1" rIns="91425" wrap="square" tIns="45700">
-            <a:normAutofit fontScale="77500" lnSpcReduction="20000"/>
+            <a:normAutofit fontScale="70000"/>
           </a:bodyPr>
           <a:lstStyle/>
           <a:p>
@@ -14236,7 +14402,7 @@
             <a:endParaRPr/>
           </a:p>
           <a:p>
-            <a:pPr indent="-386080" lvl="0" marL="1371600" rtl="0" algn="l">
+            <a:pPr indent="-370839" lvl="0" marL="1371600" rtl="0" algn="l">
               <a:spcBef>
                 <a:spcPts val="640"/>
               </a:spcBef>
@@ -14252,12 +14418,16 @@
             </a:r>
             <a:r>
               <a:rPr lang="en"/>
-              <a:t>past trip request by all previous users</a:t>
+              <a:t>past trip request by all previous users + </a:t>
+            </a:r>
+            <a:r>
+              <a:rPr lang="en"/>
+              <a:t>Send email with a selected trip details and instructions</a:t>
             </a:r>
             <a:endParaRPr/>
           </a:p>
           <a:p>
-            <a:pPr indent="-386080" lvl="0" marL="1371600" rtl="0" algn="l">
+            <a:pPr indent="-370839" lvl="0" marL="1371600" rtl="0" algn="l">
               <a:spcBef>
                 <a:spcPts val="0"/>
               </a:spcBef>
@@ -14278,7 +14448,7 @@
             <a:endParaRPr/>
           </a:p>
           <a:p>
-            <a:pPr indent="-386080" lvl="0" marL="1371600" rtl="0" algn="l">
+            <a:pPr indent="-370839" lvl="0" marL="1371600" rtl="0" algn="l">
               <a:spcBef>
                 <a:spcPts val="0"/>
               </a:spcBef>
@@ -14299,7 +14469,7 @@
             <a:endParaRPr/>
           </a:p>
           <a:p>
-            <a:pPr indent="-386080" lvl="0" marL="1371600" rtl="0" algn="l">
+            <a:pPr indent="-370839" lvl="0" marL="1371600" rtl="0" algn="l">
               <a:spcBef>
                 <a:spcPts val="0"/>
               </a:spcBef>
@@ -14316,7 +14486,7 @@
             <a:endParaRPr/>
           </a:p>
           <a:p>
-            <a:pPr indent="-386080" lvl="0" marL="1371600" rtl="0" algn="l">
+            <a:pPr indent="-370839" lvl="0" marL="1371600" rtl="0" algn="l">
               <a:spcBef>
                 <a:spcPts val="0"/>
               </a:spcBef>
@@ -14329,31 +14499,6 @@
             <a:r>
               <a:rPr lang="en"/>
               <a:t>See birds in region of your request</a:t>
-            </a:r>
-            <a:endParaRPr/>
-          </a:p>
-          <a:p>
-            <a:pPr indent="-386080" lvl="0" marL="1371600" rtl="0" algn="l">
-              <a:spcBef>
-                <a:spcPts val="0"/>
-              </a:spcBef>
-              <a:spcAft>
-                <a:spcPts val="0"/>
-              </a:spcAft>
-              <a:buSzPct val="100000"/>
-              <a:buAutoNum type="arabicPeriod"/>
-            </a:pPr>
-            <a:r>
-              <a:rPr lang="en"/>
-              <a:t>Send email with trip </a:t>
-            </a:r>
-            <a:r>
-              <a:rPr lang="en"/>
-              <a:t>details and</a:t>
-            </a:r>
-            <a:r>
-              <a:rPr lang="en"/>
-              <a:t> instructions</a:t>
             </a:r>
             <a:endParaRPr/>
           </a:p>

--- a/Documents for submission/Bird App.pptx
+++ b/Documents for submission/Bird App.pptx
@@ -14,6 +14,9 @@
     <p:sldId id="259" r:id="rId10"/>
     <p:sldId id="260" r:id="rId11"/>
     <p:sldId id="261" r:id="rId12"/>
+    <p:sldId id="262" r:id="rId13"/>
+    <p:sldId id="263" r:id="rId14"/>
+    <p:sldId id="264" r:id="rId15"/>
   </p:sldIdLst>
   <p:sldSz cy="5143500" cx="9144000"/>
   <p:notesSz cx="6858000" cy="9144000"/>
@@ -923,7 +926,7 @@
       </p:grpSpPr>
       <p:sp>
         <p:nvSpPr>
-          <p:cNvPr id="106" name="Google Shape;106;g31c2f13135a_0_101:notes"/>
+          <p:cNvPr id="106" name="Google Shape;106;g31f26464b20_0_9:notes"/>
           <p:cNvSpPr/>
           <p:nvPr>
             <p:ph idx="2" type="sldImg"/>
@@ -958,7 +961,7 @@
       </p:sp>
       <p:sp>
         <p:nvSpPr>
-          <p:cNvPr id="107" name="Google Shape;107;g31c2f13135a_0_101:notes"/>
+          <p:cNvPr id="107" name="Google Shape;107;g31f26464b20_0_9:notes"/>
           <p:cNvSpPr txBox="1"/>
           <p:nvPr>
             <p:ph idx="1" type="body"/>
@@ -1022,7 +1025,7 @@
       </p:grpSpPr>
       <p:sp>
         <p:nvSpPr>
-          <p:cNvPr id="112" name="Google Shape;112;g31c2f13135a_0_91:notes"/>
+          <p:cNvPr id="112" name="Google Shape;112;g31c2f13135a_0_101:notes"/>
           <p:cNvSpPr/>
           <p:nvPr>
             <p:ph idx="2" type="sldImg"/>
@@ -1057,7 +1060,7 @@
       </p:sp>
       <p:sp>
         <p:nvSpPr>
-          <p:cNvPr id="113" name="Google Shape;113;g31c2f13135a_0_91:notes"/>
+          <p:cNvPr id="113" name="Google Shape;113;g31c2f13135a_0_101:notes"/>
           <p:cNvSpPr txBox="1"/>
           <p:nvPr>
             <p:ph idx="1" type="body"/>
@@ -1121,7 +1124,7 @@
       </p:grpSpPr>
       <p:sp>
         <p:nvSpPr>
-          <p:cNvPr id="118" name="Google Shape;118;g31c2f13135a_0_96:notes"/>
+          <p:cNvPr id="118" name="Google Shape;118;g31cc67a5c3e_0_0:notes"/>
           <p:cNvSpPr/>
           <p:nvPr>
             <p:ph idx="2" type="sldImg"/>
@@ -1156,7 +1159,7 @@
       </p:sp>
       <p:sp>
         <p:nvSpPr>
-          <p:cNvPr id="119" name="Google Shape;119;g31c2f13135a_0_96:notes"/>
+          <p:cNvPr id="119" name="Google Shape;119;g31cc67a5c3e_0_0:notes"/>
           <p:cNvSpPr txBox="1"/>
           <p:nvPr>
             <p:ph idx="1" type="body"/>
@@ -1220,7 +1223,7 @@
       </p:grpSpPr>
       <p:sp>
         <p:nvSpPr>
-          <p:cNvPr id="124" name="Google Shape;124;g31f26464b20_0_0:notes"/>
+          <p:cNvPr id="124" name="Google Shape;124;g31c2f13135a_0_91:notes"/>
           <p:cNvSpPr/>
           <p:nvPr>
             <p:ph idx="2" type="sldImg"/>
@@ -1255,7 +1258,304 @@
       </p:sp>
       <p:sp>
         <p:nvSpPr>
-          <p:cNvPr id="125" name="Google Shape;125;g31f26464b20_0_0:notes"/>
+          <p:cNvPr id="125" name="Google Shape;125;g31c2f13135a_0_91:notes"/>
+          <p:cNvSpPr txBox="1"/>
+          <p:nvPr>
+            <p:ph idx="1" type="body"/>
+          </p:nvPr>
+        </p:nvSpPr>
+        <p:spPr>
+          <a:xfrm>
+            <a:off x="685800" y="4343400"/>
+            <a:ext cx="5486400" cy="4114800"/>
+          </a:xfrm>
+          <a:prstGeom prst="rect">
+            <a:avLst/>
+          </a:prstGeom>
+        </p:spPr>
+        <p:txBody>
+          <a:bodyPr anchorCtr="0" anchor="t" bIns="91425" lIns="91425" spcFirstLastPara="1" rIns="91425" wrap="square" tIns="91425">
+            <a:noAutofit/>
+          </a:bodyPr>
+          <a:lstStyle/>
+          <a:p>
+            <a:pPr indent="0" lvl="0" marL="0" rtl="0" algn="l">
+              <a:spcBef>
+                <a:spcPts val="0"/>
+              </a:spcBef>
+              <a:spcAft>
+                <a:spcPts val="0"/>
+              </a:spcAft>
+              <a:buNone/>
+            </a:pPr>
+            <a:r>
+              <a:t/>
+            </a:r>
+            <a:endParaRPr/>
+          </a:p>
+        </p:txBody>
+      </p:sp>
+    </p:spTree>
+  </p:cSld>
+  <p:clrMapOvr>
+    <a:masterClrMapping/>
+  </p:clrMapOvr>
+</p:notes>
+</file>
+
+<file path=ppt/notesSlides/notesSlide7.xml><?xml version="1.0" encoding="utf-8"?>
+<p:notes xmlns:a="http://schemas.openxmlformats.org/drawingml/2006/main" xmlns:r="http://schemas.openxmlformats.org/officeDocument/2006/relationships" xmlns:mc="http://schemas.openxmlformats.org/markup-compatibility/2006" xmlns:mv="urn:schemas-microsoft-com:mac:vml" xmlns:p="http://schemas.openxmlformats.org/presentationml/2006/main" xmlns:c="http://schemas.openxmlformats.org/drawingml/2006/chart" xmlns:dgm="http://schemas.openxmlformats.org/drawingml/2006/diagram" xmlns:o="urn:schemas-microsoft-com:office:office" xmlns:v="urn:schemas-microsoft-com:vml" xmlns:pvml="urn:schemas-microsoft-com:office:powerpoint" xmlns:com="http://schemas.openxmlformats.org/drawingml/2006/compatibility" xmlns:p14="http://schemas.microsoft.com/office/powerpoint/2010/main" xmlns:p15="http://schemas.microsoft.com/office/powerpoint/2012/main" xmlns:ahyp="http://schemas.microsoft.com/office/drawing/2018/hyperlinkcolor" showMasterPhAnim="0" showMasterSp="0">
+  <p:cSld>
+    <p:spTree>
+      <p:nvGrpSpPr>
+        <p:cNvPr id="129" name="Shape 129"/>
+        <p:cNvGrpSpPr/>
+        <p:nvPr/>
+      </p:nvGrpSpPr>
+      <p:grpSpPr>
+        <a:xfrm>
+          <a:off x="0" y="0"/>
+          <a:ext cx="0" cy="0"/>
+          <a:chOff x="0" y="0"/>
+          <a:chExt cx="0" cy="0"/>
+        </a:xfrm>
+      </p:grpSpPr>
+      <p:sp>
+        <p:nvSpPr>
+          <p:cNvPr id="130" name="Google Shape;130;g31c2f13135a_0_96:notes"/>
+          <p:cNvSpPr/>
+          <p:nvPr>
+            <p:ph idx="2" type="sldImg"/>
+          </p:nvPr>
+        </p:nvSpPr>
+        <p:spPr>
+          <a:xfrm>
+            <a:off x="381300" y="685800"/>
+            <a:ext cx="6096000" cy="3429000"/>
+          </a:xfrm>
+          <a:custGeom>
+            <a:rect b="b" l="l" r="r" t="t"/>
+            <a:pathLst>
+              <a:path extrusionOk="0" h="120000" w="120000">
+                <a:moveTo>
+                  <a:pt x="0" y="0"/>
+                </a:moveTo>
+                <a:lnTo>
+                  <a:pt x="120000" y="0"/>
+                </a:lnTo>
+                <a:lnTo>
+                  <a:pt x="120000" y="120000"/>
+                </a:lnTo>
+                <a:lnTo>
+                  <a:pt x="0" y="120000"/>
+                </a:lnTo>
+                <a:close/>
+              </a:path>
+            </a:pathLst>
+          </a:custGeom>
+        </p:spPr>
+      </p:sp>
+      <p:sp>
+        <p:nvSpPr>
+          <p:cNvPr id="131" name="Google Shape;131;g31c2f13135a_0_96:notes"/>
+          <p:cNvSpPr txBox="1"/>
+          <p:nvPr>
+            <p:ph idx="1" type="body"/>
+          </p:nvPr>
+        </p:nvSpPr>
+        <p:spPr>
+          <a:xfrm>
+            <a:off x="685800" y="4343400"/>
+            <a:ext cx="5486400" cy="4114800"/>
+          </a:xfrm>
+          <a:prstGeom prst="rect">
+            <a:avLst/>
+          </a:prstGeom>
+        </p:spPr>
+        <p:txBody>
+          <a:bodyPr anchorCtr="0" anchor="t" bIns="91425" lIns="91425" spcFirstLastPara="1" rIns="91425" wrap="square" tIns="91425">
+            <a:noAutofit/>
+          </a:bodyPr>
+          <a:lstStyle/>
+          <a:p>
+            <a:pPr indent="0" lvl="0" marL="0" rtl="0" algn="l">
+              <a:spcBef>
+                <a:spcPts val="0"/>
+              </a:spcBef>
+              <a:spcAft>
+                <a:spcPts val="0"/>
+              </a:spcAft>
+              <a:buNone/>
+            </a:pPr>
+            <a:r>
+              <a:t/>
+            </a:r>
+            <a:endParaRPr/>
+          </a:p>
+        </p:txBody>
+      </p:sp>
+    </p:spTree>
+  </p:cSld>
+  <p:clrMapOvr>
+    <a:masterClrMapping/>
+  </p:clrMapOvr>
+</p:notes>
+</file>
+
+<file path=ppt/notesSlides/notesSlide8.xml><?xml version="1.0" encoding="utf-8"?>
+<p:notes xmlns:a="http://schemas.openxmlformats.org/drawingml/2006/main" xmlns:r="http://schemas.openxmlformats.org/officeDocument/2006/relationships" xmlns:mc="http://schemas.openxmlformats.org/markup-compatibility/2006" xmlns:mv="urn:schemas-microsoft-com:mac:vml" xmlns:p="http://schemas.openxmlformats.org/presentationml/2006/main" xmlns:c="http://schemas.openxmlformats.org/drawingml/2006/chart" xmlns:dgm="http://schemas.openxmlformats.org/drawingml/2006/diagram" xmlns:o="urn:schemas-microsoft-com:office:office" xmlns:v="urn:schemas-microsoft-com:vml" xmlns:pvml="urn:schemas-microsoft-com:office:powerpoint" xmlns:com="http://schemas.openxmlformats.org/drawingml/2006/compatibility" xmlns:p14="http://schemas.microsoft.com/office/powerpoint/2010/main" xmlns:p15="http://schemas.microsoft.com/office/powerpoint/2012/main" xmlns:ahyp="http://schemas.microsoft.com/office/drawing/2018/hyperlinkcolor" showMasterPhAnim="0" showMasterSp="0">
+  <p:cSld>
+    <p:spTree>
+      <p:nvGrpSpPr>
+        <p:cNvPr id="135" name="Shape 135"/>
+        <p:cNvGrpSpPr/>
+        <p:nvPr/>
+      </p:nvGrpSpPr>
+      <p:grpSpPr>
+        <a:xfrm>
+          <a:off x="0" y="0"/>
+          <a:ext cx="0" cy="0"/>
+          <a:chOff x="0" y="0"/>
+          <a:chExt cx="0" cy="0"/>
+        </a:xfrm>
+      </p:grpSpPr>
+      <p:sp>
+        <p:nvSpPr>
+          <p:cNvPr id="136" name="Google Shape;136;g31f26464b20_0_0:notes"/>
+          <p:cNvSpPr/>
+          <p:nvPr>
+            <p:ph idx="2" type="sldImg"/>
+          </p:nvPr>
+        </p:nvSpPr>
+        <p:spPr>
+          <a:xfrm>
+            <a:off x="381300" y="685800"/>
+            <a:ext cx="6096000" cy="3429000"/>
+          </a:xfrm>
+          <a:custGeom>
+            <a:rect b="b" l="l" r="r" t="t"/>
+            <a:pathLst>
+              <a:path extrusionOk="0" h="120000" w="120000">
+                <a:moveTo>
+                  <a:pt x="0" y="0"/>
+                </a:moveTo>
+                <a:lnTo>
+                  <a:pt x="120000" y="0"/>
+                </a:lnTo>
+                <a:lnTo>
+                  <a:pt x="120000" y="120000"/>
+                </a:lnTo>
+                <a:lnTo>
+                  <a:pt x="0" y="120000"/>
+                </a:lnTo>
+                <a:close/>
+              </a:path>
+            </a:pathLst>
+          </a:custGeom>
+        </p:spPr>
+      </p:sp>
+      <p:sp>
+        <p:nvSpPr>
+          <p:cNvPr id="137" name="Google Shape;137;g31f26464b20_0_0:notes"/>
+          <p:cNvSpPr txBox="1"/>
+          <p:nvPr>
+            <p:ph idx="1" type="body"/>
+          </p:nvPr>
+        </p:nvSpPr>
+        <p:spPr>
+          <a:xfrm>
+            <a:off x="685800" y="4343400"/>
+            <a:ext cx="5486400" cy="4114800"/>
+          </a:xfrm>
+          <a:prstGeom prst="rect">
+            <a:avLst/>
+          </a:prstGeom>
+        </p:spPr>
+        <p:txBody>
+          <a:bodyPr anchorCtr="0" anchor="t" bIns="91425" lIns="91425" spcFirstLastPara="1" rIns="91425" wrap="square" tIns="91425">
+            <a:noAutofit/>
+          </a:bodyPr>
+          <a:lstStyle/>
+          <a:p>
+            <a:pPr indent="0" lvl="0" marL="0" rtl="0" algn="l">
+              <a:spcBef>
+                <a:spcPts val="0"/>
+              </a:spcBef>
+              <a:spcAft>
+                <a:spcPts val="0"/>
+              </a:spcAft>
+              <a:buNone/>
+            </a:pPr>
+            <a:r>
+              <a:t/>
+            </a:r>
+            <a:endParaRPr/>
+          </a:p>
+        </p:txBody>
+      </p:sp>
+    </p:spTree>
+  </p:cSld>
+  <p:clrMapOvr>
+    <a:masterClrMapping/>
+  </p:clrMapOvr>
+</p:notes>
+</file>
+
+<file path=ppt/notesSlides/notesSlide9.xml><?xml version="1.0" encoding="utf-8"?>
+<p:notes xmlns:a="http://schemas.openxmlformats.org/drawingml/2006/main" xmlns:r="http://schemas.openxmlformats.org/officeDocument/2006/relationships" xmlns:mc="http://schemas.openxmlformats.org/markup-compatibility/2006" xmlns:mv="urn:schemas-microsoft-com:mac:vml" xmlns:p="http://schemas.openxmlformats.org/presentationml/2006/main" xmlns:c="http://schemas.openxmlformats.org/drawingml/2006/chart" xmlns:dgm="http://schemas.openxmlformats.org/drawingml/2006/diagram" xmlns:o="urn:schemas-microsoft-com:office:office" xmlns:v="urn:schemas-microsoft-com:vml" xmlns:pvml="urn:schemas-microsoft-com:office:powerpoint" xmlns:com="http://schemas.openxmlformats.org/drawingml/2006/compatibility" xmlns:p14="http://schemas.microsoft.com/office/powerpoint/2010/main" xmlns:p15="http://schemas.microsoft.com/office/powerpoint/2012/main" xmlns:ahyp="http://schemas.microsoft.com/office/drawing/2018/hyperlinkcolor" showMasterPhAnim="0" showMasterSp="0">
+  <p:cSld>
+    <p:spTree>
+      <p:nvGrpSpPr>
+        <p:cNvPr id="141" name="Shape 141"/>
+        <p:cNvGrpSpPr/>
+        <p:nvPr/>
+      </p:nvGrpSpPr>
+      <p:grpSpPr>
+        <a:xfrm>
+          <a:off x="0" y="0"/>
+          <a:ext cx="0" cy="0"/>
+          <a:chOff x="0" y="0"/>
+          <a:chExt cx="0" cy="0"/>
+        </a:xfrm>
+      </p:grpSpPr>
+      <p:sp>
+        <p:nvSpPr>
+          <p:cNvPr id="142" name="Google Shape;142;g31f26464b20_0_17:notes"/>
+          <p:cNvSpPr/>
+          <p:nvPr>
+            <p:ph idx="2" type="sldImg"/>
+          </p:nvPr>
+        </p:nvSpPr>
+        <p:spPr>
+          <a:xfrm>
+            <a:off x="381300" y="685800"/>
+            <a:ext cx="6096000" cy="3429000"/>
+          </a:xfrm>
+          <a:custGeom>
+            <a:rect b="b" l="l" r="r" t="t"/>
+            <a:pathLst>
+              <a:path extrusionOk="0" h="120000" w="120000">
+                <a:moveTo>
+                  <a:pt x="0" y="0"/>
+                </a:moveTo>
+                <a:lnTo>
+                  <a:pt x="120000" y="0"/>
+                </a:lnTo>
+                <a:lnTo>
+                  <a:pt x="120000" y="120000"/>
+                </a:lnTo>
+                <a:lnTo>
+                  <a:pt x="0" y="120000"/>
+                </a:lnTo>
+                <a:close/>
+              </a:path>
+            </a:pathLst>
+          </a:custGeom>
+        </p:spPr>
+      </p:sp>
+      <p:sp>
+        <p:nvSpPr>
+          <p:cNvPr id="143" name="Google Shape;143;g31f26464b20_0_17:notes"/>
           <p:cNvSpPr txBox="1"/>
           <p:nvPr>
             <p:ph idx="1" type="body"/>
@@ -13136,7 +13436,7 @@
             </a:pPr>
             <a:r>
               <a:rPr lang="en"/>
-              <a:t>Our tool helps the user find the location of birds they’re interested in watching and plan a trip to the identified location. </a:t>
+              <a:t>Use BirdApp to find the shortest route to cool birds</a:t>
             </a:r>
             <a:endParaRPr/>
           </a:p>
@@ -13198,7 +13498,7 @@
                   <a:schemeClr val="dk1"/>
                 </a:solidFill>
               </a:rPr>
-              <a:t> about a relaxing hobby after a long day of work? </a:t>
+              <a:t> about having a relaxing break after a long day of work? </a:t>
             </a:r>
             <a:endParaRPr sz="3200">
               <a:solidFill>
@@ -13248,7 +13548,7 @@
                   <a:schemeClr val="dk1"/>
                 </a:solidFill>
               </a:rPr>
-              <a:t>How about bird watching?</a:t>
+              <a:t>How about going bird watching?</a:t>
             </a:r>
             <a:endParaRPr sz="3200">
               <a:solidFill>
@@ -13616,7 +13916,7 @@
         </p:nvSpPr>
         <p:spPr>
           <a:xfrm>
-            <a:off x="457200" y="205979"/>
+            <a:off x="457200" y="4"/>
             <a:ext cx="8229600" cy="857400"/>
           </a:xfrm>
           <a:prstGeom prst="rect">
@@ -13640,259 +13940,40 @@
             </a:pPr>
             <a:r>
               <a:rPr lang="en"/>
-              <a:t>AWS Integration</a:t>
+              <a:t>API Architecture</a:t>
             </a:r>
             <a:endParaRPr/>
           </a:p>
         </p:txBody>
       </p:sp>
-      <p:sp>
-        <p:nvSpPr>
+      <p:pic>
+        <p:nvPicPr>
           <p:cNvPr id="110" name="Google Shape;110;p17"/>
-          <p:cNvSpPr txBox="1"/>
-          <p:nvPr>
-            <p:ph idx="1" type="body"/>
-          </p:nvPr>
-        </p:nvSpPr>
+          <p:cNvPicPr preferRelativeResize="0"/>
+          <p:nvPr/>
+        </p:nvPicPr>
+        <p:blipFill>
+          <a:blip r:embed="rId3">
+            <a:alphaModFix/>
+          </a:blip>
+          <a:stretch>
+            <a:fillRect/>
+          </a:stretch>
+        </p:blipFill>
         <p:spPr>
           <a:xfrm>
-            <a:off x="457200" y="1200151"/>
-            <a:ext cx="8229600" cy="3394500"/>
+            <a:off x="1584475" y="733804"/>
+            <a:ext cx="5975049" cy="3981296"/>
           </a:xfrm>
           <a:prstGeom prst="rect">
             <a:avLst/>
           </a:prstGeom>
+          <a:noFill/>
+          <a:ln>
+            <a:noFill/>
+          </a:ln>
         </p:spPr>
-        <p:txBody>
-          <a:bodyPr anchorCtr="0" anchor="t" bIns="45700" lIns="91425" spcFirstLastPara="1" rIns="91425" wrap="square" tIns="45700">
-            <a:normAutofit fontScale="55000" lnSpcReduction="20000"/>
-          </a:bodyPr>
-          <a:lstStyle/>
-          <a:p>
-            <a:pPr indent="0" lvl="0" marL="0" rtl="0" algn="l">
-              <a:spcBef>
-                <a:spcPts val="640"/>
-              </a:spcBef>
-              <a:spcAft>
-                <a:spcPts val="0"/>
-              </a:spcAft>
-              <a:buNone/>
-            </a:pPr>
-            <a:r>
-              <a:rPr lang="en"/>
-              <a:t>We used the following components in AWS:</a:t>
-            </a:r>
-            <a:endParaRPr/>
-          </a:p>
-          <a:p>
-            <a:pPr indent="-340360" lvl="0" marL="457200" rtl="0" algn="l">
-              <a:spcBef>
-                <a:spcPts val="640"/>
-              </a:spcBef>
-              <a:spcAft>
-                <a:spcPts val="0"/>
-              </a:spcAft>
-              <a:buSzPct val="100000"/>
-              <a:buChar char="•"/>
-            </a:pPr>
-            <a:r>
-              <a:rPr lang="en"/>
-              <a:t>Lambda Functions</a:t>
-            </a:r>
-            <a:endParaRPr/>
-          </a:p>
-          <a:p>
-            <a:pPr indent="-340360" lvl="0" marL="457200" rtl="0" algn="l">
-              <a:spcBef>
-                <a:spcPts val="0"/>
-              </a:spcBef>
-              <a:spcAft>
-                <a:spcPts val="0"/>
-              </a:spcAft>
-              <a:buSzPct val="100000"/>
-              <a:buChar char="•"/>
-            </a:pPr>
-            <a:r>
-              <a:rPr lang="en"/>
-              <a:t>API Gateway</a:t>
-            </a:r>
-            <a:endParaRPr/>
-          </a:p>
-          <a:p>
-            <a:pPr indent="-340360" lvl="0" marL="457200" rtl="0" algn="l">
-              <a:spcBef>
-                <a:spcPts val="0"/>
-              </a:spcBef>
-              <a:spcAft>
-                <a:spcPts val="0"/>
-              </a:spcAft>
-              <a:buSzPct val="100000"/>
-              <a:buChar char="•"/>
-            </a:pPr>
-            <a:r>
-              <a:rPr lang="en"/>
-              <a:t>RDS</a:t>
-            </a:r>
-            <a:endParaRPr/>
-          </a:p>
-          <a:p>
-            <a:pPr indent="-340360" lvl="0" marL="457200" rtl="0" algn="l">
-              <a:spcBef>
-                <a:spcPts val="0"/>
-              </a:spcBef>
-              <a:spcAft>
-                <a:spcPts val="0"/>
-              </a:spcAft>
-              <a:buSzPct val="100000"/>
-              <a:buChar char="•"/>
-            </a:pPr>
-            <a:r>
-              <a:rPr lang="en"/>
-              <a:t>SES</a:t>
-            </a:r>
-            <a:endParaRPr/>
-          </a:p>
-          <a:p>
-            <a:pPr indent="0" lvl="0" marL="0" rtl="0" algn="l">
-              <a:spcBef>
-                <a:spcPts val="640"/>
-              </a:spcBef>
-              <a:spcAft>
-                <a:spcPts val="0"/>
-              </a:spcAft>
-              <a:buNone/>
-            </a:pPr>
-            <a:r>
-              <a:rPr lang="en"/>
-              <a:t>Why did we use lambda functions? </a:t>
-            </a:r>
-            <a:endParaRPr/>
-          </a:p>
-          <a:p>
-            <a:pPr indent="-340360" lvl="0" marL="457200" rtl="0" algn="l">
-              <a:spcBef>
-                <a:spcPts val="640"/>
-              </a:spcBef>
-              <a:spcAft>
-                <a:spcPts val="0"/>
-              </a:spcAft>
-              <a:buSzPct val="100000"/>
-              <a:buChar char="•"/>
-            </a:pPr>
-            <a:r>
-              <a:rPr lang="en"/>
-              <a:t>Cheaper </a:t>
-            </a:r>
-            <a:endParaRPr/>
-          </a:p>
-          <a:p>
-            <a:pPr indent="-340360" lvl="0" marL="457200" rtl="0" algn="l">
-              <a:spcBef>
-                <a:spcPts val="0"/>
-              </a:spcBef>
-              <a:spcAft>
-                <a:spcPts val="0"/>
-              </a:spcAft>
-              <a:buSzPct val="100000"/>
-              <a:buChar char="•"/>
-            </a:pPr>
-            <a:r>
-              <a:rPr lang="en"/>
-              <a:t>Simpler to implement </a:t>
-            </a:r>
-            <a:endParaRPr/>
-          </a:p>
-          <a:p>
-            <a:pPr indent="-340360" lvl="0" marL="457200" rtl="0" algn="l">
-              <a:spcBef>
-                <a:spcPts val="0"/>
-              </a:spcBef>
-              <a:spcAft>
-                <a:spcPts val="0"/>
-              </a:spcAft>
-              <a:buSzPct val="100000"/>
-              <a:buChar char="•"/>
-            </a:pPr>
-            <a:r>
-              <a:rPr lang="en"/>
-              <a:t>Our code relies on python only so we used lambda layers only</a:t>
-            </a:r>
-            <a:endParaRPr/>
-          </a:p>
-          <a:p>
-            <a:pPr indent="-340360" lvl="0" marL="457200" rtl="0" algn="l">
-              <a:spcBef>
-                <a:spcPts val="0"/>
-              </a:spcBef>
-              <a:spcAft>
-                <a:spcPts val="0"/>
-              </a:spcAft>
-              <a:buSzPct val="100000"/>
-              <a:buChar char="•"/>
-            </a:pPr>
-            <a:r>
-              <a:rPr lang="en"/>
-              <a:t>Automatic</a:t>
-            </a:r>
-            <a:r>
-              <a:rPr lang="en"/>
-              <a:t> Scaling</a:t>
-            </a:r>
-            <a:endParaRPr/>
-          </a:p>
-          <a:p>
-            <a:pPr indent="-340360" lvl="0" marL="457200" rtl="0" algn="l">
-              <a:spcBef>
-                <a:spcPts val="0"/>
-              </a:spcBef>
-              <a:spcAft>
-                <a:spcPts val="0"/>
-              </a:spcAft>
-              <a:buSzPct val="100000"/>
-              <a:buChar char="•"/>
-            </a:pPr>
-            <a:r>
-              <a:rPr lang="en"/>
-              <a:t>Computation is &lt;15 min</a:t>
-            </a:r>
-            <a:endParaRPr/>
-          </a:p>
-          <a:p>
-            <a:pPr indent="-340360" lvl="0" marL="457200" rtl="0" algn="l">
-              <a:spcBef>
-                <a:spcPts val="0"/>
-              </a:spcBef>
-              <a:spcAft>
-                <a:spcPts val="0"/>
-              </a:spcAft>
-              <a:buSzPct val="100000"/>
-              <a:buChar char="•"/>
-            </a:pPr>
-            <a:r>
-              <a:rPr lang="en"/>
-              <a:t>We do not need too much storage</a:t>
-            </a:r>
-            <a:endParaRPr/>
-          </a:p>
-          <a:p>
-            <a:pPr indent="-340360" lvl="0" marL="457200" rtl="0" algn="l">
-              <a:spcBef>
-                <a:spcPts val="0"/>
-              </a:spcBef>
-              <a:spcAft>
-                <a:spcPts val="0"/>
-              </a:spcAft>
-              <a:buSzPct val="100000"/>
-              <a:buChar char="•"/>
-            </a:pPr>
-            <a:r>
-              <a:rPr lang="en"/>
-              <a:t>Cold starts are not an issue for our project</a:t>
-            </a:r>
-            <a:endParaRPr/>
-          </a:p>
-        </p:txBody>
-      </p:sp>
+      </p:pic>
     </p:spTree>
   </p:cSld>
   <p:clrMapOvr>
@@ -13928,7 +14009,7 @@
         </p:nvSpPr>
         <p:spPr>
           <a:xfrm>
-            <a:off x="457200" y="67979"/>
+            <a:off x="457200" y="205979"/>
             <a:ext cx="8229600" cy="857400"/>
           </a:xfrm>
           <a:prstGeom prst="rect">
@@ -13952,7 +14033,7 @@
             </a:pPr>
             <a:r>
               <a:rPr lang="en"/>
-              <a:t>Server-Side</a:t>
+              <a:t>AWS Integration</a:t>
             </a:r>
             <a:endParaRPr/>
           </a:p>
@@ -13968,8 +14049,8 @@
         </p:nvSpPr>
         <p:spPr>
           <a:xfrm>
-            <a:off x="457200" y="797175"/>
-            <a:ext cx="8340300" cy="3901500"/>
+            <a:off x="457200" y="1200151"/>
+            <a:ext cx="8229600" cy="3394500"/>
           </a:xfrm>
           <a:prstGeom prst="rect">
             <a:avLst/>
@@ -13977,11 +14058,27 @@
         </p:spPr>
         <p:txBody>
           <a:bodyPr anchorCtr="0" anchor="t" bIns="45700" lIns="91425" spcFirstLastPara="1" rIns="91425" wrap="square" tIns="45700">
-            <a:normAutofit fontScale="70000" lnSpcReduction="20000"/>
+            <a:normAutofit fontScale="55000" lnSpcReduction="20000"/>
           </a:bodyPr>
           <a:lstStyle/>
           <a:p>
-            <a:pPr indent="-370840" lvl="0" marL="457200" rtl="0" algn="l">
+            <a:pPr indent="0" lvl="0" marL="0" rtl="0" algn="l">
+              <a:spcBef>
+                <a:spcPts val="640"/>
+              </a:spcBef>
+              <a:spcAft>
+                <a:spcPts val="0"/>
+              </a:spcAft>
+              <a:buNone/>
+            </a:pPr>
+            <a:r>
+              <a:rPr lang="en"/>
+              <a:t>We used the following components in AWS:</a:t>
+            </a:r>
+            <a:endParaRPr/>
+          </a:p>
+          <a:p>
+            <a:pPr indent="-340360" lvl="0" marL="457200" rtl="0" algn="l">
               <a:spcBef>
                 <a:spcPts val="640"/>
               </a:spcBef>
@@ -13993,12 +14090,12 @@
             </a:pPr>
             <a:r>
               <a:rPr lang="en"/>
-              <a:t>The architecture is serverless</a:t>
+              <a:t>Lambda Functions</a:t>
             </a:r>
             <a:endParaRPr/>
           </a:p>
           <a:p>
-            <a:pPr indent="-370840" lvl="0" marL="457200" rtl="0" algn="l">
+            <a:pPr indent="-340360" lvl="0" marL="457200" rtl="0" algn="l">
               <a:spcBef>
                 <a:spcPts val="0"/>
               </a:spcBef>
@@ -14010,40 +14107,12 @@
             </a:pPr>
             <a:r>
               <a:rPr lang="en"/>
-              <a:t>Our tools is built on 5 lambda functions:</a:t>
+              <a:t>API Gateway</a:t>
             </a:r>
             <a:endParaRPr/>
           </a:p>
           <a:p>
-            <a:pPr indent="-353060" lvl="1" marL="914400" rtl="0" algn="l">
-              <a:spcBef>
-                <a:spcPts val="0"/>
-              </a:spcBef>
-              <a:spcAft>
-                <a:spcPts val="0"/>
-              </a:spcAft>
-              <a:buClr>
-                <a:schemeClr val="accent2"/>
-              </a:buClr>
-              <a:buSzPct val="100000"/>
-              <a:buChar char="–"/>
-            </a:pPr>
-            <a:r>
-              <a:rPr b="1" lang="en">
-                <a:solidFill>
-                  <a:schemeClr val="accent2"/>
-                </a:solidFill>
-              </a:rPr>
-              <a:t>Trip planner: </a:t>
-            </a:r>
-            <a:endParaRPr b="1">
-              <a:solidFill>
-                <a:schemeClr val="accent2"/>
-              </a:solidFill>
-            </a:endParaRPr>
-          </a:p>
-          <a:p>
-            <a:pPr indent="-335280" lvl="2" marL="1371600" rtl="0" algn="l">
+            <a:pPr indent="-340360" lvl="0" marL="457200" rtl="0" algn="l">
               <a:spcBef>
                 <a:spcPts val="0"/>
               </a:spcBef>
@@ -14055,12 +14124,12 @@
             </a:pPr>
             <a:r>
               <a:rPr lang="en"/>
-              <a:t>Interacts with our RDS to save data</a:t>
+              <a:t>RDS</a:t>
             </a:r>
             <a:endParaRPr/>
           </a:p>
           <a:p>
-            <a:pPr indent="-335280" lvl="2" marL="1371600" rtl="0" algn="l">
+            <a:pPr indent="-340360" lvl="0" marL="457200" rtl="0" algn="l">
               <a:spcBef>
                 <a:spcPts val="0"/>
               </a:spcBef>
@@ -14072,14 +14141,30 @@
             </a:pPr>
             <a:r>
               <a:rPr lang="en"/>
-              <a:t>Interacts with Geoapify- Geocode API</a:t>
+              <a:t>SES</a:t>
             </a:r>
             <a:endParaRPr/>
           </a:p>
           <a:p>
-            <a:pPr indent="-335280" lvl="2" marL="1371600" rtl="0" algn="l">
-              <a:spcBef>
-                <a:spcPts val="0"/>
+            <a:pPr indent="0" lvl="0" marL="0" rtl="0" algn="l">
+              <a:spcBef>
+                <a:spcPts val="640"/>
+              </a:spcBef>
+              <a:spcAft>
+                <a:spcPts val="0"/>
+              </a:spcAft>
+              <a:buNone/>
+            </a:pPr>
+            <a:r>
+              <a:rPr lang="en"/>
+              <a:t>Why did we use lambda functions? </a:t>
+            </a:r>
+            <a:endParaRPr/>
+          </a:p>
+          <a:p>
+            <a:pPr indent="-340360" lvl="0" marL="457200" rtl="0" algn="l">
+              <a:spcBef>
+                <a:spcPts val="640"/>
               </a:spcBef>
               <a:spcAft>
                 <a:spcPts val="0"/>
@@ -14089,33 +14174,12 @@
             </a:pPr>
             <a:r>
               <a:rPr lang="en"/>
-              <a:t>Interacts with Geoapify- Routing API</a:t>
+              <a:t>Cheaper </a:t>
             </a:r>
             <a:endParaRPr/>
           </a:p>
           <a:p>
-            <a:pPr indent="-353060" lvl="1" marL="914400" rtl="0" algn="l">
-              <a:spcBef>
-                <a:spcPts val="0"/>
-              </a:spcBef>
-              <a:spcAft>
-                <a:spcPts val="0"/>
-              </a:spcAft>
-              <a:buSzPct val="100000"/>
-              <a:buChar char="–"/>
-            </a:pPr>
-            <a:r>
-              <a:rPr b="1" lang="en">
-                <a:solidFill>
-                  <a:schemeClr val="accent2"/>
-                </a:solidFill>
-              </a:rPr>
-              <a:t>Download Trip function:</a:t>
-            </a:r>
-            <a:endParaRPr/>
-          </a:p>
-          <a:p>
-            <a:pPr indent="-335280" lvl="2" marL="1371600" rtl="0" algn="l">
+            <a:pPr indent="-340360" lvl="0" marL="457200" rtl="0" algn="l">
               <a:spcBef>
                 <a:spcPts val="0"/>
               </a:spcBef>
@@ -14127,33 +14191,12 @@
             </a:pPr>
             <a:r>
               <a:rPr lang="en"/>
-              <a:t>Interacts with our RDS to extract data and report to user</a:t>
+              <a:t>Simpler to implement </a:t>
             </a:r>
             <a:endParaRPr/>
           </a:p>
           <a:p>
-            <a:pPr indent="-353060" lvl="1" marL="914400" rtl="0" algn="l">
-              <a:spcBef>
-                <a:spcPts val="0"/>
-              </a:spcBef>
-              <a:spcAft>
-                <a:spcPts val="0"/>
-              </a:spcAft>
-              <a:buSzPct val="100000"/>
-              <a:buChar char="–"/>
-            </a:pPr>
-            <a:r>
-              <a:rPr b="1" lang="en">
-                <a:solidFill>
-                  <a:schemeClr val="accent2"/>
-                </a:solidFill>
-              </a:rPr>
-              <a:t>Past Trips:</a:t>
-            </a:r>
-            <a:endParaRPr/>
-          </a:p>
-          <a:p>
-            <a:pPr indent="-335280" lvl="2" marL="1371600" rtl="0" algn="l">
+            <a:pPr indent="-340360" lvl="0" marL="457200" rtl="0" algn="l">
               <a:spcBef>
                 <a:spcPts val="0"/>
               </a:spcBef>
@@ -14165,33 +14208,12 @@
             </a:pPr>
             <a:r>
               <a:rPr lang="en"/>
-              <a:t>Interacts with our RDS to extract data and report to user</a:t>
+              <a:t>Our code relies on python only so we used lambda layers only</a:t>
             </a:r>
             <a:endParaRPr/>
           </a:p>
           <a:p>
-            <a:pPr indent="-353060" lvl="1" marL="914400" rtl="0" algn="l">
-              <a:spcBef>
-                <a:spcPts val="0"/>
-              </a:spcBef>
-              <a:spcAft>
-                <a:spcPts val="0"/>
-              </a:spcAft>
-              <a:buSzPct val="100000"/>
-              <a:buChar char="–"/>
-            </a:pPr>
-            <a:r>
-              <a:rPr b="1" lang="en">
-                <a:solidFill>
-                  <a:schemeClr val="accent2"/>
-                </a:solidFill>
-              </a:rPr>
-              <a:t>Nearby Birds: </a:t>
-            </a:r>
-            <a:endParaRPr/>
-          </a:p>
-          <a:p>
-            <a:pPr indent="-335280" lvl="2" marL="1371600" rtl="0" algn="l">
+            <a:pPr indent="-340360" lvl="0" marL="457200" rtl="0" algn="l">
               <a:spcBef>
                 <a:spcPts val="0"/>
               </a:spcBef>
@@ -14203,12 +14225,16 @@
             </a:pPr>
             <a:r>
               <a:rPr lang="en"/>
-              <a:t>Interacts with nominatim.openstreetmap API</a:t>
+              <a:t>Automatic</a:t>
+            </a:r>
+            <a:r>
+              <a:rPr lang="en"/>
+              <a:t> Scaling</a:t>
             </a:r>
             <a:endParaRPr/>
           </a:p>
           <a:p>
-            <a:pPr indent="-335280" lvl="2" marL="1371600" rtl="0" algn="l">
+            <a:pPr indent="-340360" lvl="0" marL="457200" rtl="0" algn="l">
               <a:spcBef>
                 <a:spcPts val="0"/>
               </a:spcBef>
@@ -14220,12 +14246,12 @@
             </a:pPr>
             <a:r>
               <a:rPr lang="en"/>
-              <a:t>Interacts with ebird API</a:t>
+              <a:t>Computation time is &lt;15 min</a:t>
             </a:r>
             <a:endParaRPr/>
           </a:p>
           <a:p>
-            <a:pPr indent="-335280" lvl="2" marL="1371600" rtl="0" algn="l">
+            <a:pPr indent="-340360" lvl="0" marL="457200" rtl="0" algn="l">
               <a:spcBef>
                 <a:spcPts val="0"/>
               </a:spcBef>
@@ -14237,33 +14263,12 @@
             </a:pPr>
             <a:r>
               <a:rPr lang="en"/>
-              <a:t>Reports to user</a:t>
+              <a:t>We do not need too much storage</a:t>
             </a:r>
             <a:endParaRPr/>
           </a:p>
           <a:p>
-            <a:pPr indent="-353060" lvl="1" marL="914400" rtl="0" algn="l">
-              <a:spcBef>
-                <a:spcPts val="0"/>
-              </a:spcBef>
-              <a:spcAft>
-                <a:spcPts val="0"/>
-              </a:spcAft>
-              <a:buSzPct val="100000"/>
-              <a:buChar char="–"/>
-            </a:pPr>
-            <a:r>
-              <a:rPr b="1" lang="en">
-                <a:solidFill>
-                  <a:schemeClr val="accent2"/>
-                </a:solidFill>
-              </a:rPr>
-              <a:t>Region Birds</a:t>
-            </a:r>
-            <a:endParaRPr/>
-          </a:p>
-          <a:p>
-            <a:pPr indent="-335280" lvl="2" marL="1371600" rtl="0" algn="l">
+            <a:pPr indent="-340360" lvl="0" marL="457200" rtl="0" algn="l">
               <a:spcBef>
                 <a:spcPts val="0"/>
               </a:spcBef>
@@ -14275,24 +14280,7 @@
             </a:pPr>
             <a:r>
               <a:rPr lang="en"/>
-              <a:t>Interacts with ebird API</a:t>
-            </a:r>
-            <a:endParaRPr/>
-          </a:p>
-          <a:p>
-            <a:pPr indent="-335280" lvl="2" marL="1371600" rtl="0" algn="l">
-              <a:spcBef>
-                <a:spcPts val="0"/>
-              </a:spcBef>
-              <a:spcAft>
-                <a:spcPts val="0"/>
-              </a:spcAft>
-              <a:buSzPct val="100000"/>
-              <a:buChar char="•"/>
-            </a:pPr>
-            <a:r>
-              <a:rPr lang="en"/>
-              <a:t>Reports to user</a:t>
+              <a:t>Cold starts are not an issue for our project</a:t>
             </a:r>
             <a:endParaRPr/>
           </a:p>
@@ -14357,7 +14345,7 @@
             </a:pPr>
             <a:r>
               <a:rPr lang="en"/>
-              <a:t>Client-Side</a:t>
+              <a:t>Security &amp; User Roles</a:t>
             </a:r>
             <a:endParaRPr/>
           </a:p>
@@ -14382,123 +14370,57 @@
         </p:spPr>
         <p:txBody>
           <a:bodyPr anchorCtr="0" anchor="t" bIns="45700" lIns="91425" spcFirstLastPara="1" rIns="91425" wrap="square" tIns="45700">
-            <a:normAutofit fontScale="70000"/>
+            <a:normAutofit/>
           </a:bodyPr>
           <a:lstStyle/>
           <a:p>
-            <a:pPr indent="0" lvl="0" marL="0" rtl="0" algn="l">
+            <a:pPr indent="-431800" lvl="0" marL="457200" rtl="0" algn="l">
               <a:spcBef>
                 <a:spcPts val="640"/>
               </a:spcBef>
               <a:spcAft>
                 <a:spcPts val="0"/>
               </a:spcAft>
-              <a:buNone/>
+              <a:buSzPts val="3200"/>
+              <a:buChar char="●"/>
             </a:pPr>
             <a:r>
               <a:rPr lang="en"/>
-              <a:t>The client has the option to choose from different functions:</a:t>
+              <a:t>Added new role with a specific permission policy for SES func.</a:t>
             </a:r>
             <a:endParaRPr/>
           </a:p>
           <a:p>
-            <a:pPr indent="-370839" lvl="0" marL="1371600" rtl="0" algn="l">
-              <a:spcBef>
-                <a:spcPts val="640"/>
-              </a:spcBef>
-              <a:spcAft>
-                <a:spcPts val="0"/>
-              </a:spcAft>
-              <a:buSzPct val="100000"/>
-              <a:buAutoNum type="arabicPeriod"/>
+            <a:pPr indent="-431800" lvl="0" marL="457200" rtl="0" algn="l">
+              <a:spcBef>
+                <a:spcPts val="0"/>
+              </a:spcBef>
+              <a:spcAft>
+                <a:spcPts val="0"/>
+              </a:spcAft>
+              <a:buSzPts val="3200"/>
+              <a:buChar char="●"/>
             </a:pPr>
             <a:r>
               <a:rPr lang="en"/>
-              <a:t>Show </a:t>
-            </a:r>
-            <a:r>
-              <a:rPr lang="en"/>
-              <a:t>past trip request by all previous users + </a:t>
-            </a:r>
-            <a:r>
-              <a:rPr lang="en"/>
-              <a:t>Send email with a selected trip details and instructions</a:t>
+              <a:t>Used existing project 3 roles &amp; permission policies for other operations &amp; read-writes</a:t>
             </a:r>
             <a:endParaRPr/>
           </a:p>
           <a:p>
-            <a:pPr indent="-370839" lvl="0" marL="1371600" rtl="0" algn="l">
-              <a:spcBef>
-                <a:spcPts val="0"/>
-              </a:spcBef>
-              <a:spcAft>
-                <a:spcPts val="0"/>
-              </a:spcAft>
-              <a:buSzPct val="100000"/>
-              <a:buAutoNum type="arabicPeriod"/>
+            <a:pPr indent="-431800" lvl="0" marL="457200" rtl="0" algn="l">
+              <a:spcBef>
+                <a:spcPts val="0"/>
+              </a:spcBef>
+              <a:spcAft>
+                <a:spcPts val="0"/>
+              </a:spcAft>
+              <a:buSzPts val="3200"/>
+              <a:buChar char="●"/>
             </a:pPr>
             <a:r>
               <a:rPr lang="en"/>
-              <a:t>P</a:t>
-            </a:r>
-            <a:r>
-              <a:rPr lang="en"/>
-              <a:t>lan trip to the location of interest for bird watching, by different modes</a:t>
-            </a:r>
-            <a:endParaRPr/>
-          </a:p>
-          <a:p>
-            <a:pPr indent="-370839" lvl="0" marL="1371600" rtl="0" algn="l">
-              <a:spcBef>
-                <a:spcPts val="0"/>
-              </a:spcBef>
-              <a:spcAft>
-                <a:spcPts val="0"/>
-              </a:spcAft>
-              <a:buSzPct val="100000"/>
-              <a:buAutoNum type="arabicPeriod"/>
-            </a:pPr>
-            <a:r>
-              <a:rPr lang="en"/>
-              <a:t>D</a:t>
-            </a:r>
-            <a:r>
-              <a:rPr lang="en"/>
-              <a:t>ownload trip details and instructions</a:t>
-            </a:r>
-            <a:endParaRPr/>
-          </a:p>
-          <a:p>
-            <a:pPr indent="-370839" lvl="0" marL="1371600" rtl="0" algn="l">
-              <a:spcBef>
-                <a:spcPts val="0"/>
-              </a:spcBef>
-              <a:spcAft>
-                <a:spcPts val="0"/>
-              </a:spcAft>
-              <a:buSzPct val="100000"/>
-              <a:buAutoNum type="arabicPeriod"/>
-            </a:pPr>
-            <a:r>
-              <a:rPr lang="en"/>
-              <a:t>See nearby birds within 50 km radius from your address</a:t>
-            </a:r>
-            <a:endParaRPr/>
-          </a:p>
-          <a:p>
-            <a:pPr indent="-370839" lvl="0" marL="1371600" rtl="0" algn="l">
-              <a:spcBef>
-                <a:spcPts val="0"/>
-              </a:spcBef>
-              <a:spcAft>
-                <a:spcPts val="0"/>
-              </a:spcAft>
-              <a:buSzPct val="100000"/>
-              <a:buAutoNum type="arabicPeriod"/>
-            </a:pPr>
-            <a:r>
-              <a:rPr lang="en"/>
-              <a:t>See birds in region of your request</a:t>
+              <a:t>Webservice API keys secured in lambda</a:t>
             </a:r>
             <a:endParaRPr/>
           </a:p>
@@ -14539,6 +14461,481 @@
         </p:nvSpPr>
         <p:spPr>
           <a:xfrm>
+            <a:off x="457200" y="67979"/>
+            <a:ext cx="8229600" cy="857400"/>
+          </a:xfrm>
+          <a:prstGeom prst="rect">
+            <a:avLst/>
+          </a:prstGeom>
+        </p:spPr>
+        <p:txBody>
+          <a:bodyPr anchorCtr="0" anchor="ctr" bIns="45700" lIns="91425" spcFirstLastPara="1" rIns="91425" wrap="square" tIns="45700">
+            <a:normAutofit/>
+          </a:bodyPr>
+          <a:lstStyle/>
+          <a:p>
+            <a:pPr indent="0" lvl="0" marL="0" rtl="0" algn="ctr">
+              <a:spcBef>
+                <a:spcPts val="0"/>
+              </a:spcBef>
+              <a:spcAft>
+                <a:spcPts val="0"/>
+              </a:spcAft>
+              <a:buNone/>
+            </a:pPr>
+            <a:r>
+              <a:rPr lang="en"/>
+              <a:t>Server-Side</a:t>
+            </a:r>
+            <a:endParaRPr/>
+          </a:p>
+        </p:txBody>
+      </p:sp>
+      <p:sp>
+        <p:nvSpPr>
+          <p:cNvPr id="128" name="Google Shape;128;p20"/>
+          <p:cNvSpPr txBox="1"/>
+          <p:nvPr>
+            <p:ph idx="1" type="body"/>
+          </p:nvPr>
+        </p:nvSpPr>
+        <p:spPr>
+          <a:xfrm>
+            <a:off x="457200" y="797175"/>
+            <a:ext cx="8340300" cy="3901500"/>
+          </a:xfrm>
+          <a:prstGeom prst="rect">
+            <a:avLst/>
+          </a:prstGeom>
+        </p:spPr>
+        <p:txBody>
+          <a:bodyPr anchorCtr="0" anchor="t" bIns="45700" lIns="91425" spcFirstLastPara="1" rIns="91425" wrap="square" tIns="45700">
+            <a:normAutofit fontScale="47500" lnSpcReduction="10000"/>
+          </a:bodyPr>
+          <a:lstStyle/>
+          <a:p>
+            <a:pPr indent="-325120" lvl="0" marL="457200" rtl="0" algn="l">
+              <a:spcBef>
+                <a:spcPts val="640"/>
+              </a:spcBef>
+              <a:spcAft>
+                <a:spcPts val="0"/>
+              </a:spcAft>
+              <a:buSzPct val="100000"/>
+              <a:buChar char="•"/>
+            </a:pPr>
+            <a:r>
+              <a:rPr lang="en"/>
+              <a:t>The architecture is serverless</a:t>
+            </a:r>
+            <a:endParaRPr/>
+          </a:p>
+          <a:p>
+            <a:pPr indent="-325120" lvl="0" marL="457200" rtl="0" algn="l">
+              <a:spcBef>
+                <a:spcPts val="0"/>
+              </a:spcBef>
+              <a:spcAft>
+                <a:spcPts val="0"/>
+              </a:spcAft>
+              <a:buSzPct val="100000"/>
+              <a:buChar char="•"/>
+            </a:pPr>
+            <a:r>
+              <a:rPr lang="en"/>
+              <a:t>Our tools is built on 5 lambda functions:</a:t>
+            </a:r>
+            <a:endParaRPr/>
+          </a:p>
+          <a:p>
+            <a:pPr indent="-313055" lvl="1" marL="914400" rtl="0" algn="l">
+              <a:spcBef>
+                <a:spcPts val="0"/>
+              </a:spcBef>
+              <a:spcAft>
+                <a:spcPts val="0"/>
+              </a:spcAft>
+              <a:buClr>
+                <a:schemeClr val="accent2"/>
+              </a:buClr>
+              <a:buSzPct val="100000"/>
+              <a:buChar char="–"/>
+            </a:pPr>
+            <a:r>
+              <a:rPr b="1" lang="en">
+                <a:solidFill>
+                  <a:schemeClr val="accent2"/>
+                </a:solidFill>
+              </a:rPr>
+              <a:t>Trip planner (/plantrip POST): </a:t>
+            </a:r>
+            <a:endParaRPr b="1">
+              <a:solidFill>
+                <a:schemeClr val="accent2"/>
+              </a:solidFill>
+            </a:endParaRPr>
+          </a:p>
+          <a:p>
+            <a:pPr indent="-300989" lvl="2" marL="1371600" rtl="0" algn="l">
+              <a:spcBef>
+                <a:spcPts val="0"/>
+              </a:spcBef>
+              <a:spcAft>
+                <a:spcPts val="0"/>
+              </a:spcAft>
+              <a:buSzPct val="100000"/>
+              <a:buChar char="•"/>
+            </a:pPr>
+            <a:r>
+              <a:rPr lang="en"/>
+              <a:t>Interacts with our RDS to save data</a:t>
+            </a:r>
+            <a:endParaRPr/>
+          </a:p>
+          <a:p>
+            <a:pPr indent="-300989" lvl="2" marL="1371600" rtl="0" algn="l">
+              <a:spcBef>
+                <a:spcPts val="0"/>
+              </a:spcBef>
+              <a:spcAft>
+                <a:spcPts val="0"/>
+              </a:spcAft>
+              <a:buSzPct val="100000"/>
+              <a:buChar char="•"/>
+            </a:pPr>
+            <a:r>
+              <a:rPr lang="en"/>
+              <a:t>Interacts with Geoapify- Geocode API</a:t>
+            </a:r>
+            <a:endParaRPr/>
+          </a:p>
+          <a:p>
+            <a:pPr indent="-300989" lvl="2" marL="1371600" rtl="0" algn="l">
+              <a:spcBef>
+                <a:spcPts val="0"/>
+              </a:spcBef>
+              <a:spcAft>
+                <a:spcPts val="0"/>
+              </a:spcAft>
+              <a:buSzPct val="100000"/>
+              <a:buChar char="•"/>
+            </a:pPr>
+            <a:r>
+              <a:rPr lang="en"/>
+              <a:t>Interacts with Geoapify- Routing API</a:t>
+            </a:r>
+            <a:endParaRPr/>
+          </a:p>
+          <a:p>
+            <a:pPr indent="-313055" lvl="1" marL="914400" rtl="0" algn="l">
+              <a:spcBef>
+                <a:spcPts val="0"/>
+              </a:spcBef>
+              <a:spcAft>
+                <a:spcPts val="0"/>
+              </a:spcAft>
+              <a:buSzPct val="100000"/>
+              <a:buChar char="–"/>
+            </a:pPr>
+            <a:r>
+              <a:rPr b="1" lang="en">
+                <a:solidFill>
+                  <a:schemeClr val="accent2"/>
+                </a:solidFill>
+              </a:rPr>
+              <a:t>Download Trip (/trips{tripid} GET):</a:t>
+            </a:r>
+            <a:endParaRPr/>
+          </a:p>
+          <a:p>
+            <a:pPr indent="-300989" lvl="2" marL="1371600" rtl="0" algn="l">
+              <a:spcBef>
+                <a:spcPts val="0"/>
+              </a:spcBef>
+              <a:spcAft>
+                <a:spcPts val="0"/>
+              </a:spcAft>
+              <a:buSzPct val="100000"/>
+              <a:buChar char="•"/>
+            </a:pPr>
+            <a:r>
+              <a:rPr lang="en"/>
+              <a:t>Interacts with our RDS to extract data and report to user</a:t>
+            </a:r>
+            <a:endParaRPr/>
+          </a:p>
+          <a:p>
+            <a:pPr indent="-313055" lvl="1" marL="914400" rtl="0" algn="l">
+              <a:spcBef>
+                <a:spcPts val="0"/>
+              </a:spcBef>
+              <a:spcAft>
+                <a:spcPts val="0"/>
+              </a:spcAft>
+              <a:buSzPct val="100000"/>
+              <a:buChar char="–"/>
+            </a:pPr>
+            <a:r>
+              <a:rPr b="1" lang="en">
+                <a:solidFill>
+                  <a:schemeClr val="accent2"/>
+                </a:solidFill>
+              </a:rPr>
+              <a:t>Past Trips (/trips GET):</a:t>
+            </a:r>
+            <a:endParaRPr/>
+          </a:p>
+          <a:p>
+            <a:pPr indent="-300989" lvl="2" marL="1371600" rtl="0" algn="l">
+              <a:spcBef>
+                <a:spcPts val="0"/>
+              </a:spcBef>
+              <a:spcAft>
+                <a:spcPts val="0"/>
+              </a:spcAft>
+              <a:buSzPct val="100000"/>
+              <a:buChar char="•"/>
+            </a:pPr>
+            <a:r>
+              <a:rPr lang="en"/>
+              <a:t>Interacts with our RDS to extract data and report to user</a:t>
+            </a:r>
+            <a:endParaRPr/>
+          </a:p>
+          <a:p>
+            <a:pPr indent="-313055" lvl="1" marL="914400" rtl="0" algn="l">
+              <a:spcBef>
+                <a:spcPts val="0"/>
+              </a:spcBef>
+              <a:spcAft>
+                <a:spcPts val="0"/>
+              </a:spcAft>
+              <a:buSzPct val="100000"/>
+              <a:buChar char="–"/>
+            </a:pPr>
+            <a:r>
+              <a:rPr b="1" lang="en">
+                <a:solidFill>
+                  <a:schemeClr val="accent2"/>
+                </a:solidFill>
+              </a:rPr>
+              <a:t>Nearby Birds(/nearbird GET): </a:t>
+            </a:r>
+            <a:endParaRPr/>
+          </a:p>
+          <a:p>
+            <a:pPr indent="-300989" lvl="2" marL="1371600" rtl="0" algn="l">
+              <a:spcBef>
+                <a:spcPts val="0"/>
+              </a:spcBef>
+              <a:spcAft>
+                <a:spcPts val="0"/>
+              </a:spcAft>
+              <a:buSzPct val="100000"/>
+              <a:buChar char="•"/>
+            </a:pPr>
+            <a:r>
+              <a:rPr lang="en"/>
+              <a:t>Interacts with nominatim.openstreetmap API</a:t>
+            </a:r>
+            <a:endParaRPr/>
+          </a:p>
+          <a:p>
+            <a:pPr indent="-300989" lvl="2" marL="1371600" rtl="0" algn="l">
+              <a:spcBef>
+                <a:spcPts val="0"/>
+              </a:spcBef>
+              <a:spcAft>
+                <a:spcPts val="0"/>
+              </a:spcAft>
+              <a:buSzPct val="100000"/>
+              <a:buChar char="•"/>
+            </a:pPr>
+            <a:r>
+              <a:rPr lang="en"/>
+              <a:t>Interacts with ebird API</a:t>
+            </a:r>
+            <a:endParaRPr/>
+          </a:p>
+          <a:p>
+            <a:pPr indent="-300989" lvl="2" marL="1371600" rtl="0" algn="l">
+              <a:spcBef>
+                <a:spcPts val="0"/>
+              </a:spcBef>
+              <a:spcAft>
+                <a:spcPts val="0"/>
+              </a:spcAft>
+              <a:buSzPct val="100000"/>
+              <a:buChar char="•"/>
+            </a:pPr>
+            <a:r>
+              <a:rPr lang="en"/>
+              <a:t>Reports to user</a:t>
+            </a:r>
+            <a:endParaRPr/>
+          </a:p>
+          <a:p>
+            <a:pPr indent="-313055" lvl="1" marL="914400" rtl="0" algn="l">
+              <a:spcBef>
+                <a:spcPts val="0"/>
+              </a:spcBef>
+              <a:spcAft>
+                <a:spcPts val="0"/>
+              </a:spcAft>
+              <a:buSzPct val="100000"/>
+              <a:buChar char="–"/>
+            </a:pPr>
+            <a:r>
+              <a:rPr b="1" lang="en">
+                <a:solidFill>
+                  <a:schemeClr val="accent2"/>
+                </a:solidFill>
+              </a:rPr>
+              <a:t>Region Birds(/regionbird GET):</a:t>
+            </a:r>
+            <a:endParaRPr/>
+          </a:p>
+          <a:p>
+            <a:pPr indent="-300989" lvl="2" marL="1371600" rtl="0" algn="l">
+              <a:spcBef>
+                <a:spcPts val="0"/>
+              </a:spcBef>
+              <a:spcAft>
+                <a:spcPts val="0"/>
+              </a:spcAft>
+              <a:buSzPct val="100000"/>
+              <a:buChar char="•"/>
+            </a:pPr>
+            <a:r>
+              <a:rPr lang="en"/>
+              <a:t>Interacts with ebird API</a:t>
+            </a:r>
+            <a:endParaRPr/>
+          </a:p>
+          <a:p>
+            <a:pPr indent="-300989" lvl="2" marL="1371600" rtl="0" algn="l">
+              <a:spcBef>
+                <a:spcPts val="0"/>
+              </a:spcBef>
+              <a:spcAft>
+                <a:spcPts val="0"/>
+              </a:spcAft>
+              <a:buSzPct val="100000"/>
+              <a:buChar char="•"/>
+            </a:pPr>
+            <a:r>
+              <a:rPr lang="en"/>
+              <a:t>Reports to user</a:t>
+            </a:r>
+            <a:endParaRPr/>
+          </a:p>
+          <a:p>
+            <a:pPr indent="-313055" lvl="1" marL="914400" rtl="0" algn="l">
+              <a:spcBef>
+                <a:spcPts val="560"/>
+              </a:spcBef>
+              <a:spcAft>
+                <a:spcPts val="0"/>
+              </a:spcAft>
+              <a:buSzPct val="100000"/>
+              <a:buChar char="–"/>
+            </a:pPr>
+            <a:r>
+              <a:rPr b="1" lang="en">
+                <a:solidFill>
+                  <a:schemeClr val="accent2"/>
+                </a:solidFill>
+              </a:rPr>
+              <a:t>Send_email (/send_email POST)</a:t>
+            </a:r>
+            <a:endParaRPr/>
+          </a:p>
+          <a:p>
+            <a:pPr indent="-300989" lvl="2" marL="1371600" rtl="0" algn="l">
+              <a:spcBef>
+                <a:spcPts val="0"/>
+              </a:spcBef>
+              <a:spcAft>
+                <a:spcPts val="0"/>
+              </a:spcAft>
+              <a:buSzPct val="100000"/>
+              <a:buChar char="•"/>
+            </a:pPr>
+            <a:r>
+              <a:rPr lang="en"/>
+              <a:t>Gets recipient’s email address and trip details from Client. </a:t>
+            </a:r>
+            <a:endParaRPr/>
+          </a:p>
+          <a:p>
+            <a:pPr indent="-300989" lvl="2" marL="1371600" rtl="0" algn="l">
+              <a:spcBef>
+                <a:spcPts val="0"/>
+              </a:spcBef>
+              <a:spcAft>
+                <a:spcPts val="0"/>
+              </a:spcAft>
+              <a:buSzPct val="100000"/>
+              <a:buChar char="•"/>
+            </a:pPr>
+            <a:r>
+              <a:rPr lang="en"/>
+              <a:t>Sends user email with Trip details. </a:t>
+            </a:r>
+            <a:endParaRPr/>
+          </a:p>
+          <a:p>
+            <a:pPr indent="0" lvl="0" marL="1371600" rtl="0" algn="l">
+              <a:spcBef>
+                <a:spcPts val="640"/>
+              </a:spcBef>
+              <a:spcAft>
+                <a:spcPts val="0"/>
+              </a:spcAft>
+              <a:buNone/>
+            </a:pPr>
+            <a:r>
+              <a:t/>
+            </a:r>
+            <a:endParaRPr/>
+          </a:p>
+        </p:txBody>
+      </p:sp>
+    </p:spTree>
+  </p:cSld>
+  <p:clrMapOvr>
+    <a:masterClrMapping/>
+  </p:clrMapOvr>
+</p:sld>
+</file>
+
+<file path=ppt/slides/slide7.xml><?xml version="1.0" encoding="utf-8"?>
+<p:sld xmlns:a="http://schemas.openxmlformats.org/drawingml/2006/main" xmlns:r="http://schemas.openxmlformats.org/officeDocument/2006/relationships" xmlns:mc="http://schemas.openxmlformats.org/markup-compatibility/2006" xmlns:mv="urn:schemas-microsoft-com:mac:vml" xmlns:p="http://schemas.openxmlformats.org/presentationml/2006/main" xmlns:c="http://schemas.openxmlformats.org/drawingml/2006/chart" xmlns:dgm="http://schemas.openxmlformats.org/drawingml/2006/diagram" xmlns:o="urn:schemas-microsoft-com:office:office" xmlns:v="urn:schemas-microsoft-com:vml" xmlns:pvml="urn:schemas-microsoft-com:office:powerpoint" xmlns:com="http://schemas.openxmlformats.org/drawingml/2006/compatibility" xmlns:p14="http://schemas.microsoft.com/office/powerpoint/2010/main" xmlns:p15="http://schemas.microsoft.com/office/powerpoint/2012/main" xmlns:ahyp="http://schemas.microsoft.com/office/drawing/2018/hyperlinkcolor">
+  <p:cSld>
+    <p:spTree>
+      <p:nvGrpSpPr>
+        <p:cNvPr id="132" name="Shape 132"/>
+        <p:cNvGrpSpPr/>
+        <p:nvPr/>
+      </p:nvGrpSpPr>
+      <p:grpSpPr>
+        <a:xfrm>
+          <a:off x="0" y="0"/>
+          <a:ext cx="0" cy="0"/>
+          <a:chOff x="0" y="0"/>
+          <a:chExt cx="0" cy="0"/>
+        </a:xfrm>
+      </p:grpSpPr>
+      <p:sp>
+        <p:nvSpPr>
+          <p:cNvPr id="133" name="Google Shape;133;p21"/>
+          <p:cNvSpPr txBox="1"/>
+          <p:nvPr>
+            <p:ph type="title"/>
+          </p:nvPr>
+        </p:nvSpPr>
+        <p:spPr>
+          <a:xfrm>
             <a:off x="457200" y="205979"/>
             <a:ext cx="8229600" cy="857400"/>
           </a:xfrm>
@@ -14563,6 +14960,212 @@
             </a:pPr>
             <a:r>
               <a:rPr lang="en"/>
+              <a:t>Client-Side</a:t>
+            </a:r>
+            <a:endParaRPr/>
+          </a:p>
+        </p:txBody>
+      </p:sp>
+      <p:sp>
+        <p:nvSpPr>
+          <p:cNvPr id="134" name="Google Shape;134;p21"/>
+          <p:cNvSpPr txBox="1"/>
+          <p:nvPr>
+            <p:ph idx="1" type="body"/>
+          </p:nvPr>
+        </p:nvSpPr>
+        <p:spPr>
+          <a:xfrm>
+            <a:off x="457200" y="1200151"/>
+            <a:ext cx="8229600" cy="3394500"/>
+          </a:xfrm>
+          <a:prstGeom prst="rect">
+            <a:avLst/>
+          </a:prstGeom>
+        </p:spPr>
+        <p:txBody>
+          <a:bodyPr anchorCtr="0" anchor="t" bIns="45700" lIns="91425" spcFirstLastPara="1" rIns="91425" wrap="square" tIns="45700">
+            <a:normAutofit fontScale="70000"/>
+          </a:bodyPr>
+          <a:lstStyle/>
+          <a:p>
+            <a:pPr indent="0" lvl="0" marL="0" rtl="0" algn="l">
+              <a:spcBef>
+                <a:spcPts val="640"/>
+              </a:spcBef>
+              <a:spcAft>
+                <a:spcPts val="0"/>
+              </a:spcAft>
+              <a:buNone/>
+            </a:pPr>
+            <a:r>
+              <a:rPr lang="en"/>
+              <a:t>The client has the option to choose from different functions:</a:t>
+            </a:r>
+            <a:endParaRPr/>
+          </a:p>
+          <a:p>
+            <a:pPr indent="-370839" lvl="0" marL="1371600" rtl="0" algn="l">
+              <a:spcBef>
+                <a:spcPts val="640"/>
+              </a:spcBef>
+              <a:spcAft>
+                <a:spcPts val="0"/>
+              </a:spcAft>
+              <a:buSzPct val="100000"/>
+              <a:buAutoNum type="arabicPeriod"/>
+            </a:pPr>
+            <a:r>
+              <a:rPr lang="en"/>
+              <a:t>Show </a:t>
+            </a:r>
+            <a:r>
+              <a:rPr lang="en"/>
+              <a:t>past trip request by all previous users + </a:t>
+            </a:r>
+            <a:r>
+              <a:rPr lang="en"/>
+              <a:t>Send email with a selected trip details and instructions</a:t>
+            </a:r>
+            <a:endParaRPr/>
+          </a:p>
+          <a:p>
+            <a:pPr indent="-370839" lvl="0" marL="1371600" rtl="0" algn="l">
+              <a:spcBef>
+                <a:spcPts val="0"/>
+              </a:spcBef>
+              <a:spcAft>
+                <a:spcPts val="0"/>
+              </a:spcAft>
+              <a:buSzPct val="100000"/>
+              <a:buAutoNum type="arabicPeriod"/>
+            </a:pPr>
+            <a:r>
+              <a:rPr lang="en"/>
+              <a:t>P</a:t>
+            </a:r>
+            <a:r>
+              <a:rPr lang="en"/>
+              <a:t>lan trip to the location of interest for bird watching, by different modes</a:t>
+            </a:r>
+            <a:endParaRPr/>
+          </a:p>
+          <a:p>
+            <a:pPr indent="-370839" lvl="0" marL="1371600" rtl="0" algn="l">
+              <a:spcBef>
+                <a:spcPts val="0"/>
+              </a:spcBef>
+              <a:spcAft>
+                <a:spcPts val="0"/>
+              </a:spcAft>
+              <a:buSzPct val="100000"/>
+              <a:buAutoNum type="arabicPeriod"/>
+            </a:pPr>
+            <a:r>
+              <a:rPr lang="en"/>
+              <a:t>D</a:t>
+            </a:r>
+            <a:r>
+              <a:rPr lang="en"/>
+              <a:t>ownload trip details and instructions</a:t>
+            </a:r>
+            <a:endParaRPr/>
+          </a:p>
+          <a:p>
+            <a:pPr indent="-370839" lvl="0" marL="1371600" rtl="0" algn="l">
+              <a:spcBef>
+                <a:spcPts val="0"/>
+              </a:spcBef>
+              <a:spcAft>
+                <a:spcPts val="0"/>
+              </a:spcAft>
+              <a:buSzPct val="100000"/>
+              <a:buAutoNum type="arabicPeriod"/>
+            </a:pPr>
+            <a:r>
+              <a:rPr lang="en"/>
+              <a:t>See nearby birds within 50 km radius from your address</a:t>
+            </a:r>
+            <a:endParaRPr/>
+          </a:p>
+          <a:p>
+            <a:pPr indent="-370839" lvl="0" marL="1371600" rtl="0" algn="l">
+              <a:spcBef>
+                <a:spcPts val="0"/>
+              </a:spcBef>
+              <a:spcAft>
+                <a:spcPts val="0"/>
+              </a:spcAft>
+              <a:buSzPct val="100000"/>
+              <a:buAutoNum type="arabicPeriod"/>
+            </a:pPr>
+            <a:r>
+              <a:rPr lang="en"/>
+              <a:t>See birds in region of your request</a:t>
+            </a:r>
+            <a:endParaRPr/>
+          </a:p>
+        </p:txBody>
+      </p:sp>
+    </p:spTree>
+  </p:cSld>
+  <p:clrMapOvr>
+    <a:masterClrMapping/>
+  </p:clrMapOvr>
+</p:sld>
+</file>
+
+<file path=ppt/slides/slide8.xml><?xml version="1.0" encoding="utf-8"?>
+<p:sld xmlns:a="http://schemas.openxmlformats.org/drawingml/2006/main" xmlns:r="http://schemas.openxmlformats.org/officeDocument/2006/relationships" xmlns:mc="http://schemas.openxmlformats.org/markup-compatibility/2006" xmlns:mv="urn:schemas-microsoft-com:mac:vml" xmlns:p="http://schemas.openxmlformats.org/presentationml/2006/main" xmlns:c="http://schemas.openxmlformats.org/drawingml/2006/chart" xmlns:dgm="http://schemas.openxmlformats.org/drawingml/2006/diagram" xmlns:o="urn:schemas-microsoft-com:office:office" xmlns:v="urn:schemas-microsoft-com:vml" xmlns:pvml="urn:schemas-microsoft-com:office:powerpoint" xmlns:com="http://schemas.openxmlformats.org/drawingml/2006/compatibility" xmlns:p14="http://schemas.microsoft.com/office/powerpoint/2010/main" xmlns:p15="http://schemas.microsoft.com/office/powerpoint/2012/main" xmlns:ahyp="http://schemas.microsoft.com/office/drawing/2018/hyperlinkcolor">
+  <p:cSld>
+    <p:spTree>
+      <p:nvGrpSpPr>
+        <p:cNvPr id="138" name="Shape 138"/>
+        <p:cNvGrpSpPr/>
+        <p:nvPr/>
+      </p:nvGrpSpPr>
+      <p:grpSpPr>
+        <a:xfrm>
+          <a:off x="0" y="0"/>
+          <a:ext cx="0" cy="0"/>
+          <a:chOff x="0" y="0"/>
+          <a:chExt cx="0" cy="0"/>
+        </a:xfrm>
+      </p:grpSpPr>
+      <p:sp>
+        <p:nvSpPr>
+          <p:cNvPr id="139" name="Google Shape;139;p22"/>
+          <p:cNvSpPr txBox="1"/>
+          <p:nvPr>
+            <p:ph type="title"/>
+          </p:nvPr>
+        </p:nvSpPr>
+        <p:spPr>
+          <a:xfrm>
+            <a:off x="457200" y="205979"/>
+            <a:ext cx="8229600" cy="857400"/>
+          </a:xfrm>
+          <a:prstGeom prst="rect">
+            <a:avLst/>
+          </a:prstGeom>
+        </p:spPr>
+        <p:txBody>
+          <a:bodyPr anchorCtr="0" anchor="ctr" bIns="45700" lIns="91425" spcFirstLastPara="1" rIns="91425" wrap="square" tIns="45700">
+            <a:normAutofit/>
+          </a:bodyPr>
+          <a:lstStyle/>
+          <a:p>
+            <a:pPr indent="0" lvl="0" marL="0" rtl="0" algn="ctr">
+              <a:spcBef>
+                <a:spcPts val="0"/>
+              </a:spcBef>
+              <a:spcAft>
+                <a:spcPts val="0"/>
+              </a:spcAft>
+              <a:buNone/>
+            </a:pPr>
+            <a:r>
+              <a:rPr lang="en"/>
               <a:t>Demo</a:t>
             </a:r>
             <a:endParaRPr/>
@@ -14571,7 +15174,7 @@
       </p:sp>
       <p:sp>
         <p:nvSpPr>
-          <p:cNvPr id="128" name="Google Shape;128;p20"/>
+          <p:cNvPr id="140" name="Google Shape;140;p22"/>
           <p:cNvSpPr txBox="1"/>
           <p:nvPr>
             <p:ph idx="1" type="body"/>
@@ -14640,7 +15243,391 @@
 </p:sld>
 </file>
 
+<file path=ppt/slides/slide9.xml><?xml version="1.0" encoding="utf-8"?>
+<p:sld xmlns:a="http://schemas.openxmlformats.org/drawingml/2006/main" xmlns:r="http://schemas.openxmlformats.org/officeDocument/2006/relationships" xmlns:mc="http://schemas.openxmlformats.org/markup-compatibility/2006" xmlns:mv="urn:schemas-microsoft-com:mac:vml" xmlns:p="http://schemas.openxmlformats.org/presentationml/2006/main" xmlns:c="http://schemas.openxmlformats.org/drawingml/2006/chart" xmlns:dgm="http://schemas.openxmlformats.org/drawingml/2006/diagram" xmlns:o="urn:schemas-microsoft-com:office:office" xmlns:v="urn:schemas-microsoft-com:vml" xmlns:pvml="urn:schemas-microsoft-com:office:powerpoint" xmlns:com="http://schemas.openxmlformats.org/drawingml/2006/compatibility" xmlns:p14="http://schemas.microsoft.com/office/powerpoint/2010/main" xmlns:p15="http://schemas.microsoft.com/office/powerpoint/2012/main" xmlns:ahyp="http://schemas.microsoft.com/office/drawing/2018/hyperlinkcolor">
+  <p:cSld>
+    <p:spTree>
+      <p:nvGrpSpPr>
+        <p:cNvPr id="144" name="Shape 144"/>
+        <p:cNvGrpSpPr/>
+        <p:nvPr/>
+      </p:nvGrpSpPr>
+      <p:grpSpPr>
+        <a:xfrm>
+          <a:off x="0" y="0"/>
+          <a:ext cx="0" cy="0"/>
+          <a:chOff x="0" y="0"/>
+          <a:chExt cx="0" cy="0"/>
+        </a:xfrm>
+      </p:grpSpPr>
+      <p:sp>
+        <p:nvSpPr>
+          <p:cNvPr id="145" name="Google Shape;145;p23"/>
+          <p:cNvSpPr txBox="1"/>
+          <p:nvPr>
+            <p:ph type="title"/>
+          </p:nvPr>
+        </p:nvSpPr>
+        <p:spPr>
+          <a:xfrm>
+            <a:off x="457200" y="205979"/>
+            <a:ext cx="8229600" cy="857400"/>
+          </a:xfrm>
+          <a:prstGeom prst="rect">
+            <a:avLst/>
+          </a:prstGeom>
+        </p:spPr>
+        <p:txBody>
+          <a:bodyPr anchorCtr="0" anchor="ctr" bIns="45700" lIns="91425" spcFirstLastPara="1" rIns="91425" wrap="square" tIns="45700">
+            <a:normAutofit/>
+          </a:bodyPr>
+          <a:lstStyle/>
+          <a:p>
+            <a:pPr indent="0" lvl="0" marL="0" rtl="0" algn="ctr">
+              <a:spcBef>
+                <a:spcPts val="0"/>
+              </a:spcBef>
+              <a:spcAft>
+                <a:spcPts val="0"/>
+              </a:spcAft>
+              <a:buNone/>
+            </a:pPr>
+            <a:r>
+              <a:rPr lang="en"/>
+              <a:t>Verify your Email</a:t>
+            </a:r>
+            <a:endParaRPr/>
+          </a:p>
+        </p:txBody>
+      </p:sp>
+      <p:sp>
+        <p:nvSpPr>
+          <p:cNvPr id="146" name="Google Shape;146;p23"/>
+          <p:cNvSpPr txBox="1"/>
+          <p:nvPr>
+            <p:ph idx="1" type="body"/>
+          </p:nvPr>
+        </p:nvSpPr>
+        <p:spPr>
+          <a:xfrm>
+            <a:off x="394475" y="1200176"/>
+            <a:ext cx="8229600" cy="3394500"/>
+          </a:xfrm>
+          <a:prstGeom prst="rect">
+            <a:avLst/>
+          </a:prstGeom>
+        </p:spPr>
+        <p:txBody>
+          <a:bodyPr anchorCtr="0" anchor="t" bIns="45700" lIns="91425" spcFirstLastPara="1" rIns="91425" wrap="square" tIns="45700">
+            <a:normAutofit/>
+          </a:bodyPr>
+          <a:lstStyle/>
+          <a:p>
+            <a:pPr indent="0" lvl="0" marL="0" rtl="0" algn="ctr">
+              <a:spcBef>
+                <a:spcPts val="640"/>
+              </a:spcBef>
+              <a:spcAft>
+                <a:spcPts val="0"/>
+              </a:spcAft>
+              <a:buNone/>
+            </a:pPr>
+            <a:r>
+              <a:rPr lang="en" sz="4400"/>
+              <a:t>Send an email to prashantghimire2026@u.northwestern.edu</a:t>
+            </a:r>
+            <a:endParaRPr sz="4400"/>
+          </a:p>
+        </p:txBody>
+      </p:sp>
+    </p:spTree>
+  </p:cSld>
+  <p:clrMapOvr>
+    <a:masterClrMapping/>
+  </p:clrMapOvr>
+</p:sld>
+</file>
+
 <file path=ppt/theme/theme1.xml><?xml version="1.0" encoding="utf-8"?>
+<a:theme xmlns:a="http://schemas.openxmlformats.org/drawingml/2006/main" xmlns:r="http://schemas.openxmlformats.org/officeDocument/2006/relationships">
+  <a:themeElements>
+    <a:clrScheme name="Default">
+      <a:dk1>
+        <a:srgbClr val="000000"/>
+      </a:dk1>
+      <a:lt1>
+        <a:srgbClr val="FFFFFF"/>
+      </a:lt1>
+      <a:dk2>
+        <a:srgbClr val="158158"/>
+      </a:dk2>
+      <a:lt2>
+        <a:srgbClr val="F3F3F3"/>
+      </a:lt2>
+      <a:accent1>
+        <a:srgbClr val="058DC7"/>
+      </a:accent1>
+      <a:accent2>
+        <a:srgbClr val="50B432"/>
+      </a:accent2>
+      <a:accent3>
+        <a:srgbClr val="ED561B"/>
+      </a:accent3>
+      <a:accent4>
+        <a:srgbClr val="EDEF00"/>
+      </a:accent4>
+      <a:accent5>
+        <a:srgbClr val="24CBE5"/>
+      </a:accent5>
+      <a:accent6>
+        <a:srgbClr val="64E572"/>
+      </a:accent6>
+      <a:hlink>
+        <a:srgbClr val="2200CC"/>
+      </a:hlink>
+      <a:folHlink>
+        <a:srgbClr val="551A8B"/>
+      </a:folHlink>
+    </a:clrScheme>
+    <a:fontScheme name="Office">
+      <a:majorFont>
+        <a:latin typeface="Arial"/>
+        <a:ea typeface=""/>
+        <a:cs typeface=""/>
+        <a:font script="Jpan" typeface="ＭＳ Ｐゴシック"/>
+        <a:font script="Hang" typeface="맑은 고딕"/>
+        <a:font script="Hans" typeface="宋体"/>
+        <a:font script="Hant" typeface="新細明體"/>
+        <a:font script="Arab" typeface="Times New Roman"/>
+        <a:font script="Hebr" typeface="Times New Roman"/>
+        <a:font script="Thai" typeface="Angsana New"/>
+        <a:font script="Ethi" typeface="Nyala"/>
+        <a:font script="Beng" typeface="Vrinda"/>
+        <a:font script="Gujr" typeface="Shruti"/>
+        <a:font script="Khmr" typeface="MoolBoran"/>
+        <a:font script="Knda" typeface="Tunga"/>
+        <a:font script="Guru" typeface="Raavi"/>
+        <a:font script="Cans" typeface="Euphemia"/>
+        <a:font script="Cher" typeface="Plantagenet Cherokee"/>
+        <a:font script="Yiii" typeface="Microsoft Yi Baiti"/>
+        <a:font script="Tibt" typeface="Microsoft Himalaya"/>
+        <a:font script="Thaa" typeface="MV Boli"/>
+        <a:font script="Deva" typeface="Mangal"/>
+        <a:font script="Telu" typeface="Gautami"/>
+        <a:font script="Taml" typeface="Latha"/>
+        <a:font script="Syrc" typeface="Estrangelo Edessa"/>
+        <a:font script="Orya" typeface="Kalinga"/>
+        <a:font script="Mlym" typeface="Kartika"/>
+        <a:font script="Laoo" typeface="DokChampa"/>
+        <a:font script="Sinh" typeface="Iskoola Pota"/>
+        <a:font script="Mong" typeface="Mongolian Baiti"/>
+        <a:font script="Viet" typeface="Times New Roman"/>
+        <a:font script="Uigh" typeface="Microsoft Uighur"/>
+        <a:font script="Geor" typeface="Sylfaen"/>
+      </a:majorFont>
+      <a:minorFont>
+        <a:latin typeface="Arial"/>
+        <a:ea typeface=""/>
+        <a:cs typeface=""/>
+        <a:font script="Jpan" typeface="ＭＳ Ｐゴシック"/>
+        <a:font script="Hang" typeface="맑은 고딕"/>
+        <a:font script="Hans" typeface="宋体"/>
+        <a:font script="Hant" typeface="新細明體"/>
+        <a:font script="Arab" typeface="Arial"/>
+        <a:font script="Hebr" typeface="Arial"/>
+        <a:font script="Thai" typeface="Cordia New"/>
+        <a:font script="Ethi" typeface="Nyala"/>
+        <a:font script="Beng" typeface="Vrinda"/>
+        <a:font script="Gujr" typeface="Shruti"/>
+        <a:font script="Khmr" typeface="DaunPenh"/>
+        <a:font script="Knda" typeface="Tunga"/>
+        <a:font script="Guru" typeface="Raavi"/>
+        <a:font script="Cans" typeface="Euphemia"/>
+        <a:font script="Cher" typeface="Plantagenet Cherokee"/>
+        <a:font script="Yiii" typeface="Microsoft Yi Baiti"/>
+        <a:font script="Tibt" typeface="Microsoft Himalaya"/>
+        <a:font script="Thaa" typeface="MV Boli"/>
+        <a:font script="Deva" typeface="Mangal"/>
+        <a:font script="Telu" typeface="Gautami"/>
+        <a:font script="Taml" typeface="Latha"/>
+        <a:font script="Syrc" typeface="Estrangelo Edessa"/>
+        <a:font script="Orya" typeface="Kalinga"/>
+        <a:font script="Mlym" typeface="Kartika"/>
+        <a:font script="Laoo" typeface="DokChampa"/>
+        <a:font script="Sinh" typeface="Iskoola Pota"/>
+        <a:font script="Mong" typeface="Mongolian Baiti"/>
+        <a:font script="Viet" typeface="Arial"/>
+        <a:font script="Uigh" typeface="Microsoft Uighur"/>
+        <a:font script="Geor" typeface="Sylfaen"/>
+      </a:minorFont>
+    </a:fontScheme>
+    <a:fmtScheme name="Office">
+      <a:fillStyleLst>
+        <a:solidFill>
+          <a:schemeClr val="phClr"/>
+        </a:solidFill>
+        <a:gradFill rotWithShape="1">
+          <a:gsLst>
+            <a:gs pos="0">
+              <a:schemeClr val="phClr">
+                <a:tint val="50000"/>
+                <a:satMod val="300000"/>
+              </a:schemeClr>
+            </a:gs>
+            <a:gs pos="35000">
+              <a:schemeClr val="phClr">
+                <a:tint val="37000"/>
+                <a:satMod val="300000"/>
+              </a:schemeClr>
+            </a:gs>
+            <a:gs pos="100000">
+              <a:schemeClr val="phClr">
+                <a:tint val="15000"/>
+                <a:satMod val="350000"/>
+              </a:schemeClr>
+            </a:gs>
+          </a:gsLst>
+          <a:lin ang="16200000" scaled="1"/>
+        </a:gradFill>
+        <a:gradFill rotWithShape="1">
+          <a:gsLst>
+            <a:gs pos="0">
+              <a:schemeClr val="phClr">
+                <a:tint val="100000"/>
+                <a:shade val="100000"/>
+                <a:satMod val="130000"/>
+              </a:schemeClr>
+            </a:gs>
+            <a:gs pos="100000">
+              <a:schemeClr val="phClr">
+                <a:tint val="50000"/>
+                <a:shade val="100000"/>
+                <a:satMod val="350000"/>
+              </a:schemeClr>
+            </a:gs>
+          </a:gsLst>
+          <a:lin ang="16200000" scaled="0"/>
+        </a:gradFill>
+      </a:fillStyleLst>
+      <a:lnStyleLst>
+        <a:ln w="9525" cap="flat" cmpd="sng" algn="ctr">
+          <a:solidFill>
+            <a:schemeClr val="phClr">
+              <a:shade val="95000"/>
+              <a:satMod val="105000"/>
+            </a:schemeClr>
+          </a:solidFill>
+          <a:prstDash val="solid"/>
+        </a:ln>
+        <a:ln w="25400" cap="flat" cmpd="sng" algn="ctr">
+          <a:solidFill>
+            <a:schemeClr val="phClr"/>
+          </a:solidFill>
+          <a:prstDash val="solid"/>
+        </a:ln>
+        <a:ln w="38100" cap="flat" cmpd="sng" algn="ctr">
+          <a:solidFill>
+            <a:schemeClr val="phClr"/>
+          </a:solidFill>
+          <a:prstDash val="solid"/>
+        </a:ln>
+      </a:lnStyleLst>
+      <a:effectStyleLst>
+        <a:effectStyle>
+          <a:effectLst>
+            <a:outerShdw blurRad="40000" dist="20000" dir="5400000" rotWithShape="0">
+              <a:srgbClr val="000000">
+                <a:alpha val="38000"/>
+              </a:srgbClr>
+            </a:outerShdw>
+          </a:effectLst>
+        </a:effectStyle>
+        <a:effectStyle>
+          <a:effectLst>
+            <a:outerShdw blurRad="40000" dist="23000" dir="5400000" rotWithShape="0">
+              <a:srgbClr val="000000">
+                <a:alpha val="35000"/>
+              </a:srgbClr>
+            </a:outerShdw>
+          </a:effectLst>
+        </a:effectStyle>
+        <a:effectStyle>
+          <a:effectLst>
+            <a:outerShdw blurRad="40000" dist="23000" dir="5400000" rotWithShape="0">
+              <a:srgbClr val="000000">
+                <a:alpha val="35000"/>
+              </a:srgbClr>
+            </a:outerShdw>
+          </a:effectLst>
+          <a:scene3d>
+            <a:camera prst="orthographicFront">
+              <a:rot lat="0" lon="0" rev="0"/>
+            </a:camera>
+            <a:lightRig rig="threePt" dir="t">
+              <a:rot lat="0" lon="0" rev="1200000"/>
+            </a:lightRig>
+          </a:scene3d>
+          <a:sp3d>
+            <a:bevelT w="63500" h="25400"/>
+          </a:sp3d>
+        </a:effectStyle>
+      </a:effectStyleLst>
+      <a:bgFillStyleLst>
+        <a:solidFill>
+          <a:schemeClr val="phClr"/>
+        </a:solidFill>
+        <a:gradFill rotWithShape="1">
+          <a:gsLst>
+            <a:gs pos="0">
+              <a:schemeClr val="phClr">
+                <a:tint val="40000"/>
+                <a:satMod val="350000"/>
+              </a:schemeClr>
+            </a:gs>
+            <a:gs pos="40000">
+              <a:schemeClr val="phClr">
+                <a:tint val="45000"/>
+                <a:shade val="99000"/>
+                <a:satMod val="350000"/>
+              </a:schemeClr>
+            </a:gs>
+            <a:gs pos="100000">
+              <a:schemeClr val="phClr">
+                <a:shade val="20000"/>
+                <a:satMod val="255000"/>
+              </a:schemeClr>
+            </a:gs>
+          </a:gsLst>
+          <a:path path="circle">
+            <a:fillToRect l="50000" t="-80000" r="50000" b="180000"/>
+          </a:path>
+        </a:gradFill>
+        <a:gradFill rotWithShape="1">
+          <a:gsLst>
+            <a:gs pos="0">
+              <a:schemeClr val="phClr">
+                <a:tint val="80000"/>
+                <a:satMod val="300000"/>
+              </a:schemeClr>
+            </a:gs>
+            <a:gs pos="100000">
+              <a:schemeClr val="phClr">
+                <a:shade val="30000"/>
+                <a:satMod val="200000"/>
+              </a:schemeClr>
+            </a:gs>
+          </a:gsLst>
+          <a:path path="circle">
+            <a:fillToRect l="50000" t="50000" r="50000" b="50000"/>
+          </a:path>
+        </a:gradFill>
+      </a:bgFillStyleLst>
+    </a:fmtScheme>
+  </a:themeElements>
+</a:theme>
+</file>
+
+<file path=ppt/theme/theme2.xml><?xml version="1.0" encoding="utf-8"?>
 <a:theme xmlns:a="http://schemas.openxmlformats.org/drawingml/2006/main" xmlns:r="http://schemas.openxmlformats.org/officeDocument/2006/relationships" name="Office Theme">
   <a:themeElements>
     <a:clrScheme name="Office">
@@ -14917,283 +15904,4 @@
     </a:fmtScheme>
   </a:themeElements>
 </a:theme>
-</file>
-
-<file path=ppt/theme/theme2.xml><?xml version="1.0" encoding="utf-8"?>
-<a:theme xmlns:a="http://schemas.openxmlformats.org/drawingml/2006/main" xmlns:r="http://schemas.openxmlformats.org/officeDocument/2006/relationships">
-  <a:themeElements>
-    <a:clrScheme name="Default">
-      <a:dk1>
-        <a:srgbClr val="000000"/>
-      </a:dk1>
-      <a:lt1>
-        <a:srgbClr val="FFFFFF"/>
-      </a:lt1>
-      <a:dk2>
-        <a:srgbClr val="158158"/>
-      </a:dk2>
-      <a:lt2>
-        <a:srgbClr val="F3F3F3"/>
-      </a:lt2>
-      <a:accent1>
-        <a:srgbClr val="058DC7"/>
-      </a:accent1>
-      <a:accent2>
-        <a:srgbClr val="50B432"/>
-      </a:accent2>
-      <a:accent3>
-        <a:srgbClr val="ED561B"/>
-      </a:accent3>
-      <a:accent4>
-        <a:srgbClr val="EDEF00"/>
-      </a:accent4>
-      <a:accent5>
-        <a:srgbClr val="24CBE5"/>
-      </a:accent5>
-      <a:accent6>
-        <a:srgbClr val="64E572"/>
-      </a:accent6>
-      <a:hlink>
-        <a:srgbClr val="2200CC"/>
-      </a:hlink>
-      <a:folHlink>
-        <a:srgbClr val="551A8B"/>
-      </a:folHlink>
-    </a:clrScheme>
-    <a:fontScheme name="Office">
-      <a:majorFont>
-        <a:latin typeface="Arial"/>
-        <a:ea typeface=""/>
-        <a:cs typeface=""/>
-        <a:font script="Jpan" typeface="ＭＳ Ｐゴシック"/>
-        <a:font script="Hang" typeface="맑은 고딕"/>
-        <a:font script="Hans" typeface="宋体"/>
-        <a:font script="Hant" typeface="新細明體"/>
-        <a:font script="Arab" typeface="Times New Roman"/>
-        <a:font script="Hebr" typeface="Times New Roman"/>
-        <a:font script="Thai" typeface="Angsana New"/>
-        <a:font script="Ethi" typeface="Nyala"/>
-        <a:font script="Beng" typeface="Vrinda"/>
-        <a:font script="Gujr" typeface="Shruti"/>
-        <a:font script="Khmr" typeface="MoolBoran"/>
-        <a:font script="Knda" typeface="Tunga"/>
-        <a:font script="Guru" typeface="Raavi"/>
-        <a:font script="Cans" typeface="Euphemia"/>
-        <a:font script="Cher" typeface="Plantagenet Cherokee"/>
-        <a:font script="Yiii" typeface="Microsoft Yi Baiti"/>
-        <a:font script="Tibt" typeface="Microsoft Himalaya"/>
-        <a:font script="Thaa" typeface="MV Boli"/>
-        <a:font script="Deva" typeface="Mangal"/>
-        <a:font script="Telu" typeface="Gautami"/>
-        <a:font script="Taml" typeface="Latha"/>
-        <a:font script="Syrc" typeface="Estrangelo Edessa"/>
-        <a:font script="Orya" typeface="Kalinga"/>
-        <a:font script="Mlym" typeface="Kartika"/>
-        <a:font script="Laoo" typeface="DokChampa"/>
-        <a:font script="Sinh" typeface="Iskoola Pota"/>
-        <a:font script="Mong" typeface="Mongolian Baiti"/>
-        <a:font script="Viet" typeface="Times New Roman"/>
-        <a:font script="Uigh" typeface="Microsoft Uighur"/>
-        <a:font script="Geor" typeface="Sylfaen"/>
-      </a:majorFont>
-      <a:minorFont>
-        <a:latin typeface="Arial"/>
-        <a:ea typeface=""/>
-        <a:cs typeface=""/>
-        <a:font script="Jpan" typeface="ＭＳ Ｐゴシック"/>
-        <a:font script="Hang" typeface="맑은 고딕"/>
-        <a:font script="Hans" typeface="宋体"/>
-        <a:font script="Hant" typeface="新細明體"/>
-        <a:font script="Arab" typeface="Arial"/>
-        <a:font script="Hebr" typeface="Arial"/>
-        <a:font script="Thai" typeface="Cordia New"/>
-        <a:font script="Ethi" typeface="Nyala"/>
-        <a:font script="Beng" typeface="Vrinda"/>
-        <a:font script="Gujr" typeface="Shruti"/>
-        <a:font script="Khmr" typeface="DaunPenh"/>
-        <a:font script="Knda" typeface="Tunga"/>
-        <a:font script="Guru" typeface="Raavi"/>
-        <a:font script="Cans" typeface="Euphemia"/>
-        <a:font script="Cher" typeface="Plantagenet Cherokee"/>
-        <a:font script="Yiii" typeface="Microsoft Yi Baiti"/>
-        <a:font script="Tibt" typeface="Microsoft Himalaya"/>
-        <a:font script="Thaa" typeface="MV Boli"/>
-        <a:font script="Deva" typeface="Mangal"/>
-        <a:font script="Telu" typeface="Gautami"/>
-        <a:font script="Taml" typeface="Latha"/>
-        <a:font script="Syrc" typeface="Estrangelo Edessa"/>
-        <a:font script="Orya" typeface="Kalinga"/>
-        <a:font script="Mlym" typeface="Kartika"/>
-        <a:font script="Laoo" typeface="DokChampa"/>
-        <a:font script="Sinh" typeface="Iskoola Pota"/>
-        <a:font script="Mong" typeface="Mongolian Baiti"/>
-        <a:font script="Viet" typeface="Arial"/>
-        <a:font script="Uigh" typeface="Microsoft Uighur"/>
-        <a:font script="Geor" typeface="Sylfaen"/>
-      </a:minorFont>
-    </a:fontScheme>
-    <a:fmtScheme name="Office">
-      <a:fillStyleLst>
-        <a:solidFill>
-          <a:schemeClr val="phClr"/>
-        </a:solidFill>
-        <a:gradFill rotWithShape="1">
-          <a:gsLst>
-            <a:gs pos="0">
-              <a:schemeClr val="phClr">
-                <a:tint val="50000"/>
-                <a:satMod val="300000"/>
-              </a:schemeClr>
-            </a:gs>
-            <a:gs pos="35000">
-              <a:schemeClr val="phClr">
-                <a:tint val="37000"/>
-                <a:satMod val="300000"/>
-              </a:schemeClr>
-            </a:gs>
-            <a:gs pos="100000">
-              <a:schemeClr val="phClr">
-                <a:tint val="15000"/>
-                <a:satMod val="350000"/>
-              </a:schemeClr>
-            </a:gs>
-          </a:gsLst>
-          <a:lin ang="16200000" scaled="1"/>
-        </a:gradFill>
-        <a:gradFill rotWithShape="1">
-          <a:gsLst>
-            <a:gs pos="0">
-              <a:schemeClr val="phClr">
-                <a:tint val="100000"/>
-                <a:shade val="100000"/>
-                <a:satMod val="130000"/>
-              </a:schemeClr>
-            </a:gs>
-            <a:gs pos="100000">
-              <a:schemeClr val="phClr">
-                <a:tint val="50000"/>
-                <a:shade val="100000"/>
-                <a:satMod val="350000"/>
-              </a:schemeClr>
-            </a:gs>
-          </a:gsLst>
-          <a:lin ang="16200000" scaled="0"/>
-        </a:gradFill>
-      </a:fillStyleLst>
-      <a:lnStyleLst>
-        <a:ln w="9525" cap="flat" cmpd="sng" algn="ctr">
-          <a:solidFill>
-            <a:schemeClr val="phClr">
-              <a:shade val="95000"/>
-              <a:satMod val="105000"/>
-            </a:schemeClr>
-          </a:solidFill>
-          <a:prstDash val="solid"/>
-        </a:ln>
-        <a:ln w="25400" cap="flat" cmpd="sng" algn="ctr">
-          <a:solidFill>
-            <a:schemeClr val="phClr"/>
-          </a:solidFill>
-          <a:prstDash val="solid"/>
-        </a:ln>
-        <a:ln w="38100" cap="flat" cmpd="sng" algn="ctr">
-          <a:solidFill>
-            <a:schemeClr val="phClr"/>
-          </a:solidFill>
-          <a:prstDash val="solid"/>
-        </a:ln>
-      </a:lnStyleLst>
-      <a:effectStyleLst>
-        <a:effectStyle>
-          <a:effectLst>
-            <a:outerShdw blurRad="40000" dist="20000" dir="5400000" rotWithShape="0">
-              <a:srgbClr val="000000">
-                <a:alpha val="38000"/>
-              </a:srgbClr>
-            </a:outerShdw>
-          </a:effectLst>
-        </a:effectStyle>
-        <a:effectStyle>
-          <a:effectLst>
-            <a:outerShdw blurRad="40000" dist="23000" dir="5400000" rotWithShape="0">
-              <a:srgbClr val="000000">
-                <a:alpha val="35000"/>
-              </a:srgbClr>
-            </a:outerShdw>
-          </a:effectLst>
-        </a:effectStyle>
-        <a:effectStyle>
-          <a:effectLst>
-            <a:outerShdw blurRad="40000" dist="23000" dir="5400000" rotWithShape="0">
-              <a:srgbClr val="000000">
-                <a:alpha val="35000"/>
-              </a:srgbClr>
-            </a:outerShdw>
-          </a:effectLst>
-          <a:scene3d>
-            <a:camera prst="orthographicFront">
-              <a:rot lat="0" lon="0" rev="0"/>
-            </a:camera>
-            <a:lightRig rig="threePt" dir="t">
-              <a:rot lat="0" lon="0" rev="1200000"/>
-            </a:lightRig>
-          </a:scene3d>
-          <a:sp3d>
-            <a:bevelT w="63500" h="25400"/>
-          </a:sp3d>
-        </a:effectStyle>
-      </a:effectStyleLst>
-      <a:bgFillStyleLst>
-        <a:solidFill>
-          <a:schemeClr val="phClr"/>
-        </a:solidFill>
-        <a:gradFill rotWithShape="1">
-          <a:gsLst>
-            <a:gs pos="0">
-              <a:schemeClr val="phClr">
-                <a:tint val="40000"/>
-                <a:satMod val="350000"/>
-              </a:schemeClr>
-            </a:gs>
-            <a:gs pos="40000">
-              <a:schemeClr val="phClr">
-                <a:tint val="45000"/>
-                <a:shade val="99000"/>
-                <a:satMod val="350000"/>
-              </a:schemeClr>
-            </a:gs>
-            <a:gs pos="100000">
-              <a:schemeClr val="phClr">
-                <a:shade val="20000"/>
-                <a:satMod val="255000"/>
-              </a:schemeClr>
-            </a:gs>
-          </a:gsLst>
-          <a:path path="circle">
-            <a:fillToRect l="50000" t="-80000" r="50000" b="180000"/>
-          </a:path>
-        </a:gradFill>
-        <a:gradFill rotWithShape="1">
-          <a:gsLst>
-            <a:gs pos="0">
-              <a:schemeClr val="phClr">
-                <a:tint val="80000"/>
-                <a:satMod val="300000"/>
-              </a:schemeClr>
-            </a:gs>
-            <a:gs pos="100000">
-              <a:schemeClr val="phClr">
-                <a:shade val="30000"/>
-                <a:satMod val="200000"/>
-              </a:schemeClr>
-            </a:gs>
-          </a:gsLst>
-          <a:path path="circle">
-            <a:fillToRect l="50000" t="50000" r="50000" b="50000"/>
-          </a:path>
-        </a:gradFill>
-      </a:bgFillStyleLst>
-    </a:fmtScheme>
-  </a:themeElements>
-</a:theme>
 </file>